--- a/diarm.pptx
+++ b/diarm.pptx
@@ -306,7 +306,7 @@
           <a:p>
             <a:fld id="{3B208963-61DC-41AC-86E5-CD7ED7635A03}" type="datetimeFigureOut">
               <a:rPr lang="zh-CN" altLang="en-US" smtClean="0"/>
-              <a:t>2025/4/22</a:t>
+              <a:t>2025/4/27</a:t>
             </a:fld>
             <a:endParaRPr lang="zh-CN" altLang="en-US"/>
           </a:p>
@@ -476,7 +476,7 @@
           <a:p>
             <a:fld id="{3B208963-61DC-41AC-86E5-CD7ED7635A03}" type="datetimeFigureOut">
               <a:rPr lang="zh-CN" altLang="en-US" smtClean="0"/>
-              <a:t>2025/4/22</a:t>
+              <a:t>2025/4/27</a:t>
             </a:fld>
             <a:endParaRPr lang="zh-CN" altLang="en-US"/>
           </a:p>
@@ -656,7 +656,7 @@
           <a:p>
             <a:fld id="{3B208963-61DC-41AC-86E5-CD7ED7635A03}" type="datetimeFigureOut">
               <a:rPr lang="zh-CN" altLang="en-US" smtClean="0"/>
-              <a:t>2025/4/22</a:t>
+              <a:t>2025/4/27</a:t>
             </a:fld>
             <a:endParaRPr lang="zh-CN" altLang="en-US"/>
           </a:p>
@@ -826,7 +826,7 @@
           <a:p>
             <a:fld id="{3B208963-61DC-41AC-86E5-CD7ED7635A03}" type="datetimeFigureOut">
               <a:rPr lang="zh-CN" altLang="en-US" smtClean="0"/>
-              <a:t>2025/4/22</a:t>
+              <a:t>2025/4/27</a:t>
             </a:fld>
             <a:endParaRPr lang="zh-CN" altLang="en-US"/>
           </a:p>
@@ -1072,7 +1072,7 @@
           <a:p>
             <a:fld id="{3B208963-61DC-41AC-86E5-CD7ED7635A03}" type="datetimeFigureOut">
               <a:rPr lang="zh-CN" altLang="en-US" smtClean="0"/>
-              <a:t>2025/4/22</a:t>
+              <a:t>2025/4/27</a:t>
             </a:fld>
             <a:endParaRPr lang="zh-CN" altLang="en-US"/>
           </a:p>
@@ -1304,7 +1304,7 @@
           <a:p>
             <a:fld id="{3B208963-61DC-41AC-86E5-CD7ED7635A03}" type="datetimeFigureOut">
               <a:rPr lang="zh-CN" altLang="en-US" smtClean="0"/>
-              <a:t>2025/4/22</a:t>
+              <a:t>2025/4/27</a:t>
             </a:fld>
             <a:endParaRPr lang="zh-CN" altLang="en-US"/>
           </a:p>
@@ -1671,7 +1671,7 @@
           <a:p>
             <a:fld id="{3B208963-61DC-41AC-86E5-CD7ED7635A03}" type="datetimeFigureOut">
               <a:rPr lang="zh-CN" altLang="en-US" smtClean="0"/>
-              <a:t>2025/4/22</a:t>
+              <a:t>2025/4/27</a:t>
             </a:fld>
             <a:endParaRPr lang="zh-CN" altLang="en-US"/>
           </a:p>
@@ -1789,7 +1789,7 @@
           <a:p>
             <a:fld id="{3B208963-61DC-41AC-86E5-CD7ED7635A03}" type="datetimeFigureOut">
               <a:rPr lang="zh-CN" altLang="en-US" smtClean="0"/>
-              <a:t>2025/4/22</a:t>
+              <a:t>2025/4/27</a:t>
             </a:fld>
             <a:endParaRPr lang="zh-CN" altLang="en-US"/>
           </a:p>
@@ -1884,7 +1884,7 @@
           <a:p>
             <a:fld id="{3B208963-61DC-41AC-86E5-CD7ED7635A03}" type="datetimeFigureOut">
               <a:rPr lang="zh-CN" altLang="en-US" smtClean="0"/>
-              <a:t>2025/4/22</a:t>
+              <a:t>2025/4/27</a:t>
             </a:fld>
             <a:endParaRPr lang="zh-CN" altLang="en-US"/>
           </a:p>
@@ -2161,7 +2161,7 @@
           <a:p>
             <a:fld id="{3B208963-61DC-41AC-86E5-CD7ED7635A03}" type="datetimeFigureOut">
               <a:rPr lang="zh-CN" altLang="en-US" smtClean="0"/>
-              <a:t>2025/4/22</a:t>
+              <a:t>2025/4/27</a:t>
             </a:fld>
             <a:endParaRPr lang="zh-CN" altLang="en-US"/>
           </a:p>
@@ -2418,7 +2418,7 @@
           <a:p>
             <a:fld id="{3B208963-61DC-41AC-86E5-CD7ED7635A03}" type="datetimeFigureOut">
               <a:rPr lang="zh-CN" altLang="en-US" smtClean="0"/>
-              <a:t>2025/4/22</a:t>
+              <a:t>2025/4/27</a:t>
             </a:fld>
             <a:endParaRPr lang="zh-CN" altLang="en-US"/>
           </a:p>
@@ -2631,7 +2631,7 @@
           <a:p>
             <a:fld id="{3B208963-61DC-41AC-86E5-CD7ED7635A03}" type="datetimeFigureOut">
               <a:rPr lang="zh-CN" altLang="en-US" smtClean="0"/>
-              <a:t>2025/4/22</a:t>
+              <a:t>2025/4/27</a:t>
             </a:fld>
             <a:endParaRPr lang="zh-CN" altLang="en-US"/>
           </a:p>
@@ -29110,10 +29110,10 @@
       </p:grpSpPr>
       <p:grpSp>
         <p:nvGrpSpPr>
-          <p:cNvPr id="92" name="组合 91">
+          <p:cNvPr id="2" name="组合 1">
             <a:extLst>
               <a:ext uri="{FF2B5EF4-FFF2-40B4-BE49-F238E27FC236}">
-                <a16:creationId xmlns:a16="http://schemas.microsoft.com/office/drawing/2014/main" id="{08C4BBAA-7CEA-267E-1930-CBE66EC25B1D}"/>
+                <a16:creationId xmlns:a16="http://schemas.microsoft.com/office/drawing/2014/main" id="{92742C55-23D7-B7A1-ECB0-198712FFD0CC}"/>
               </a:ext>
             </a:extLst>
           </p:cNvPr>
@@ -29128,61 +29128,12 @@
             <a:chExt cx="11781784" cy="5384635"/>
           </a:xfrm>
         </p:grpSpPr>
-        <p:sp>
-          <p:nvSpPr>
-            <p:cNvPr id="3" name="矩形 2">
+        <p:grpSp>
+          <p:nvGrpSpPr>
+            <p:cNvPr id="92" name="组合 91">
               <a:extLst>
                 <a:ext uri="{FF2B5EF4-FFF2-40B4-BE49-F238E27FC236}">
-                  <a16:creationId xmlns:a16="http://schemas.microsoft.com/office/drawing/2014/main" id="{0E47C354-C635-236B-1D0A-730061444E6F}"/>
-                </a:ext>
-              </a:extLst>
-            </p:cNvPr>
-            <p:cNvSpPr/>
-            <p:nvPr/>
-          </p:nvSpPr>
-          <p:spPr>
-            <a:xfrm>
-              <a:off x="1391893" y="571818"/>
-              <a:ext cx="11781784" cy="5384635"/>
-            </a:xfrm>
-            <a:prstGeom prst="rect">
-              <a:avLst/>
-            </a:prstGeom>
-            <a:solidFill>
-              <a:schemeClr val="bg1"/>
-            </a:solidFill>
-          </p:spPr>
-          <p:style>
-            <a:lnRef idx="2">
-              <a:schemeClr val="accent1">
-                <a:shade val="15000"/>
-              </a:schemeClr>
-            </a:lnRef>
-            <a:fillRef idx="1">
-              <a:schemeClr val="accent1"/>
-            </a:fillRef>
-            <a:effectRef idx="0">
-              <a:schemeClr val="accent1"/>
-            </a:effectRef>
-            <a:fontRef idx="minor">
-              <a:schemeClr val="lt1"/>
-            </a:fontRef>
-          </p:style>
-          <p:txBody>
-            <a:bodyPr rtlCol="0" anchor="ctr"/>
-            <a:lstStyle/>
-            <a:p>
-              <a:pPr algn="ctr"/>
-              <a:endParaRPr lang="zh-CN" altLang="en-US"/>
-            </a:p>
-          </p:txBody>
-        </p:sp>
-        <p:grpSp>
-          <p:nvGrpSpPr>
-            <p:cNvPr id="91" name="组合 90">
-              <a:extLst>
-                <a:ext uri="{FF2B5EF4-FFF2-40B4-BE49-F238E27FC236}">
-                  <a16:creationId xmlns:a16="http://schemas.microsoft.com/office/drawing/2014/main" id="{0A7FF078-34CD-2C97-D8B6-39FB9FCC1591}"/>
+                  <a16:creationId xmlns:a16="http://schemas.microsoft.com/office/drawing/2014/main" id="{08C4BBAA-7CEA-267E-1930-CBE66EC25B1D}"/>
                 </a:ext>
               </a:extLst>
             </p:cNvPr>
@@ -29191,278 +29142,18 @@
           </p:nvGrpSpPr>
           <p:grpSpPr>
             <a:xfrm>
-              <a:off x="1948907" y="952410"/>
-              <a:ext cx="10505560" cy="4445090"/>
-              <a:chOff x="1737240" y="977810"/>
-              <a:chExt cx="10505560" cy="4445090"/>
+              <a:off x="1391893" y="571818"/>
+              <a:ext cx="11781784" cy="5384635"/>
+              <a:chOff x="1391893" y="571818"/>
+              <a:chExt cx="11781784" cy="5384635"/>
             </a:xfrm>
           </p:grpSpPr>
           <p:sp>
             <p:nvSpPr>
-              <p:cNvPr id="10" name="文本框 9">
+              <p:cNvPr id="3" name="矩形 2">
                 <a:extLst>
                   <a:ext uri="{FF2B5EF4-FFF2-40B4-BE49-F238E27FC236}">
-                    <a16:creationId xmlns:a16="http://schemas.microsoft.com/office/drawing/2014/main" id="{06B939EC-A58B-A7AA-0C45-14E6A80B56EA}"/>
-                  </a:ext>
-                </a:extLst>
-              </p:cNvPr>
-              <p:cNvSpPr txBox="1"/>
-              <p:nvPr/>
-            </p:nvSpPr>
-            <p:spPr>
-              <a:xfrm>
-                <a:off x="2285992" y="977810"/>
-                <a:ext cx="877163" cy="369332"/>
-              </a:xfrm>
-              <a:prstGeom prst="rect">
-                <a:avLst/>
-              </a:prstGeom>
-              <a:noFill/>
-            </p:spPr>
-            <p:txBody>
-              <a:bodyPr wrap="none" rtlCol="0">
-                <a:spAutoFit/>
-              </a:bodyPr>
-              <a:lstStyle/>
-              <a:p>
-                <a:r>
-                  <a:rPr lang="zh-CN" altLang="en-US" dirty="0">
-                    <a:latin typeface="微软雅黑" panose="020B0503020204020204" pitchFamily="34" charset="-122"/>
-                    <a:ea typeface="微软雅黑" panose="020B0503020204020204" pitchFamily="34" charset="-122"/>
-                  </a:rPr>
-                  <a:t>浏览器</a:t>
-                </a:r>
-              </a:p>
-            </p:txBody>
-          </p:sp>
-          <p:grpSp>
-            <p:nvGrpSpPr>
-              <p:cNvPr id="40" name="组合 39">
-                <a:extLst>
-                  <a:ext uri="{FF2B5EF4-FFF2-40B4-BE49-F238E27FC236}">
-                    <a16:creationId xmlns:a16="http://schemas.microsoft.com/office/drawing/2014/main" id="{9EDD0BE3-D529-6DC8-BFDC-7B6581E15B2C}"/>
-                  </a:ext>
-                </a:extLst>
-              </p:cNvPr>
-              <p:cNvGrpSpPr/>
-              <p:nvPr/>
-            </p:nvGrpSpPr>
-            <p:grpSpPr>
-              <a:xfrm>
-                <a:off x="5528914" y="977810"/>
-                <a:ext cx="6713886" cy="4445090"/>
-                <a:chOff x="6519514" y="977810"/>
-                <a:chExt cx="6282085" cy="4445090"/>
-              </a:xfrm>
-            </p:grpSpPr>
-            <p:sp>
-              <p:nvSpPr>
-                <p:cNvPr id="11" name="文本框 10">
-                  <a:extLst>
-                    <a:ext uri="{FF2B5EF4-FFF2-40B4-BE49-F238E27FC236}">
-                      <a16:creationId xmlns:a16="http://schemas.microsoft.com/office/drawing/2014/main" id="{88BEA415-635C-BA6A-9F3D-49D482D85E24}"/>
-                    </a:ext>
-                  </a:extLst>
-                </p:cNvPr>
-                <p:cNvSpPr txBox="1"/>
-                <p:nvPr/>
-              </p:nvSpPr>
-              <p:spPr>
-                <a:xfrm>
-                  <a:off x="8927053" y="977810"/>
-                  <a:ext cx="1467005" cy="369332"/>
-                </a:xfrm>
-                <a:prstGeom prst="rect">
-                  <a:avLst/>
-                </a:prstGeom>
-                <a:noFill/>
-              </p:spPr>
-              <p:txBody>
-                <a:bodyPr wrap="none" rtlCol="0">
-                  <a:spAutoFit/>
-                </a:bodyPr>
-                <a:lstStyle/>
-                <a:p>
-                  <a:r>
-                    <a:rPr lang="en-US" altLang="zh-CN" dirty="0">
-                      <a:latin typeface="微软雅黑" panose="020B0503020204020204" pitchFamily="34" charset="-122"/>
-                      <a:ea typeface="微软雅黑" panose="020B0503020204020204" pitchFamily="34" charset="-122"/>
-                    </a:rPr>
-                    <a:t>HTTP</a:t>
-                  </a:r>
-                  <a:r>
-                    <a:rPr lang="zh-CN" altLang="en-US" dirty="0">
-                      <a:latin typeface="微软雅黑" panose="020B0503020204020204" pitchFamily="34" charset="-122"/>
-                      <a:ea typeface="微软雅黑" panose="020B0503020204020204" pitchFamily="34" charset="-122"/>
-                    </a:rPr>
-                    <a:t>服务器</a:t>
-                  </a:r>
-                </a:p>
-              </p:txBody>
-            </p:sp>
-            <p:grpSp>
-              <p:nvGrpSpPr>
-                <p:cNvPr id="14" name="组合 13">
-                  <a:extLst>
-                    <a:ext uri="{FF2B5EF4-FFF2-40B4-BE49-F238E27FC236}">
-                      <a16:creationId xmlns:a16="http://schemas.microsoft.com/office/drawing/2014/main" id="{3DB89C06-D3BC-3B38-5A7A-4CB0CC2909CC}"/>
-                    </a:ext>
-                  </a:extLst>
-                </p:cNvPr>
-                <p:cNvGrpSpPr/>
-                <p:nvPr/>
-              </p:nvGrpSpPr>
-              <p:grpSpPr>
-                <a:xfrm>
-                  <a:off x="6519514" y="1435100"/>
-                  <a:ext cx="6282085" cy="3987800"/>
-                  <a:chOff x="2769643" y="762000"/>
-                  <a:chExt cx="2723105" cy="3987800"/>
-                </a:xfrm>
-              </p:grpSpPr>
-              <p:sp>
-                <p:nvSpPr>
-                  <p:cNvPr id="28" name="矩形 27">
-                    <a:extLst>
-                      <a:ext uri="{FF2B5EF4-FFF2-40B4-BE49-F238E27FC236}">
-                        <a16:creationId xmlns:a16="http://schemas.microsoft.com/office/drawing/2014/main" id="{72929F92-8418-6223-CB4E-7A5A5AA6FD8A}"/>
-                      </a:ext>
-                    </a:extLst>
-                  </p:cNvPr>
-                  <p:cNvSpPr/>
-                  <p:nvPr/>
-                </p:nvSpPr>
-                <p:spPr>
-                  <a:xfrm>
-                    <a:off x="2769643" y="762000"/>
-                    <a:ext cx="2723105" cy="3987800"/>
-                  </a:xfrm>
-                  <a:prstGeom prst="rect">
-                    <a:avLst/>
-                  </a:prstGeom>
-                  <a:solidFill>
-                    <a:schemeClr val="bg2">
-                      <a:alpha val="40000"/>
-                    </a:schemeClr>
-                  </a:solidFill>
-                  <a:ln>
-                    <a:solidFill>
-                      <a:schemeClr val="accent1">
-                        <a:shade val="15000"/>
-                      </a:schemeClr>
-                    </a:solidFill>
-                    <a:prstDash val="solid"/>
-                  </a:ln>
-                </p:spPr>
-                <p:style>
-                  <a:lnRef idx="2">
-                    <a:schemeClr val="accent1">
-                      <a:shade val="15000"/>
-                    </a:schemeClr>
-                  </a:lnRef>
-                  <a:fillRef idx="1">
-                    <a:schemeClr val="accent1"/>
-                  </a:fillRef>
-                  <a:effectRef idx="0">
-                    <a:schemeClr val="accent1"/>
-                  </a:effectRef>
-                  <a:fontRef idx="minor">
-                    <a:schemeClr val="lt1"/>
-                  </a:fontRef>
-                </p:style>
-                <p:txBody>
-                  <a:bodyPr rtlCol="0" anchor="ctr"/>
-                  <a:lstStyle/>
-                  <a:p>
-                    <a:pPr algn="ctr"/>
-                    <a:endParaRPr lang="zh-CN" altLang="en-US" b="1" dirty="0">
-                      <a:solidFill>
-                        <a:srgbClr val="F5F5F5"/>
-                      </a:solidFill>
-                    </a:endParaRPr>
-                  </a:p>
-                </p:txBody>
-              </p:sp>
-              <p:sp>
-                <p:nvSpPr>
-                  <p:cNvPr id="31" name="矩形: 圆角 30">
-                    <a:extLst>
-                      <a:ext uri="{FF2B5EF4-FFF2-40B4-BE49-F238E27FC236}">
-                        <a16:creationId xmlns:a16="http://schemas.microsoft.com/office/drawing/2014/main" id="{6108CEF0-615B-191C-1E24-5A92E5E2BCD9}"/>
-                      </a:ext>
-                    </a:extLst>
-                  </p:cNvPr>
-                  <p:cNvSpPr/>
-                  <p:nvPr/>
-                </p:nvSpPr>
-                <p:spPr>
-                  <a:xfrm>
-                    <a:off x="4348927" y="1552639"/>
-                    <a:ext cx="955173" cy="442243"/>
-                  </a:xfrm>
-                  <a:prstGeom prst="roundRect">
-                    <a:avLst>
-                      <a:gd name="adj" fmla="val 9595"/>
-                    </a:avLst>
-                  </a:prstGeom>
-                  <a:solidFill>
-                    <a:schemeClr val="accent2">
-                      <a:lumMod val="20000"/>
-                      <a:lumOff val="80000"/>
-                    </a:schemeClr>
-                  </a:solidFill>
-                </p:spPr>
-                <p:style>
-                  <a:lnRef idx="2">
-                    <a:schemeClr val="accent1">
-                      <a:shade val="15000"/>
-                    </a:schemeClr>
-                  </a:lnRef>
-                  <a:fillRef idx="1">
-                    <a:schemeClr val="accent1"/>
-                  </a:fillRef>
-                  <a:effectRef idx="0">
-                    <a:schemeClr val="accent1"/>
-                  </a:effectRef>
-                  <a:fontRef idx="minor">
-                    <a:schemeClr val="lt1"/>
-                  </a:fontRef>
-                </p:style>
-                <p:txBody>
-                  <a:bodyPr rtlCol="0" anchor="ctr"/>
-                  <a:lstStyle/>
-                  <a:p>
-                    <a:pPr algn="ctr"/>
-                    <a:r>
-                      <a:rPr lang="zh-CN" altLang="en-US" sz="1600" dirty="0">
-                        <a:solidFill>
-                          <a:schemeClr val="tx1"/>
-                        </a:solidFill>
-                        <a:latin typeface="Times New Roman" panose="02020603050405020304" pitchFamily="18" charset="0"/>
-                        <a:ea typeface="微软雅黑" panose="020B0503020204020204" pitchFamily="34" charset="-122"/>
-                        <a:cs typeface="Times New Roman" panose="02020603050405020304" pitchFamily="18" charset="0"/>
-                      </a:rPr>
-                      <a:t>根据方法，获得参数</a:t>
-                    </a:r>
-                    <a:endParaRPr lang="zh-CN" altLang="en-US" sz="1600" dirty="0">
-                      <a:solidFill>
-                        <a:schemeClr val="tx1"/>
-                      </a:solidFill>
-                      <a:latin typeface="微软雅黑" panose="020B0503020204020204" pitchFamily="34" charset="-122"/>
-                      <a:ea typeface="微软雅黑" panose="020B0503020204020204" pitchFamily="34" charset="-122"/>
-                      <a:cs typeface="Times New Roman" panose="02020603050405020304" pitchFamily="18" charset="0"/>
-                    </a:endParaRPr>
-                  </a:p>
-                </p:txBody>
-              </p:sp>
-            </p:grpSp>
-          </p:grpSp>
-          <p:sp>
-            <p:nvSpPr>
-              <p:cNvPr id="22" name="矩形 21">
-                <a:extLst>
-                  <a:ext uri="{FF2B5EF4-FFF2-40B4-BE49-F238E27FC236}">
-                    <a16:creationId xmlns:a16="http://schemas.microsoft.com/office/drawing/2014/main" id="{FB2A3D0D-F84D-6F4C-EF4C-CD4BE3ABDAFA}"/>
+                    <a16:creationId xmlns:a16="http://schemas.microsoft.com/office/drawing/2014/main" id="{0E47C354-C635-236B-1D0A-730061444E6F}"/>
                   </a:ext>
                 </a:extLst>
               </p:cNvPr>
@@ -29471,148 +29162,14 @@
             </p:nvSpPr>
             <p:spPr>
               <a:xfrm>
-                <a:off x="1737240" y="1432860"/>
-                <a:ext cx="1974668" cy="3987800"/>
+                <a:off x="1391893" y="571818"/>
+                <a:ext cx="11781784" cy="5384635"/>
               </a:xfrm>
               <a:prstGeom prst="rect">
                 <a:avLst/>
               </a:prstGeom>
               <a:solidFill>
-                <a:schemeClr val="bg2">
-                  <a:alpha val="40000"/>
-                </a:schemeClr>
-              </a:solidFill>
-              <a:ln>
-                <a:solidFill>
-                  <a:schemeClr val="accent1">
-                    <a:shade val="15000"/>
-                  </a:schemeClr>
-                </a:solidFill>
-                <a:prstDash val="solid"/>
-              </a:ln>
-            </p:spPr>
-            <p:style>
-              <a:lnRef idx="2">
-                <a:schemeClr val="accent1">
-                  <a:shade val="15000"/>
-                </a:schemeClr>
-              </a:lnRef>
-              <a:fillRef idx="1">
-                <a:schemeClr val="accent1"/>
-              </a:fillRef>
-              <a:effectRef idx="0">
-                <a:schemeClr val="accent1"/>
-              </a:effectRef>
-              <a:fontRef idx="minor">
-                <a:schemeClr val="lt1"/>
-              </a:fontRef>
-            </p:style>
-            <p:txBody>
-              <a:bodyPr rtlCol="0" anchor="ctr"/>
-              <a:lstStyle/>
-              <a:p>
-                <a:pPr algn="ctr"/>
-                <a:endParaRPr lang="zh-CN" altLang="en-US" b="1" dirty="0">
-                  <a:solidFill>
-                    <a:srgbClr val="F5F5F5"/>
-                  </a:solidFill>
-                </a:endParaRPr>
-              </a:p>
-            </p:txBody>
-          </p:sp>
-          <p:sp>
-            <p:nvSpPr>
-              <p:cNvPr id="39" name="流程图: 决策 38">
-                <a:extLst>
-                  <a:ext uri="{FF2B5EF4-FFF2-40B4-BE49-F238E27FC236}">
-                    <a16:creationId xmlns:a16="http://schemas.microsoft.com/office/drawing/2014/main" id="{02CAA953-80C4-96DA-83B6-1201200B37AE}"/>
-                  </a:ext>
-                </a:extLst>
-              </p:cNvPr>
-              <p:cNvSpPr/>
-              <p:nvPr/>
-            </p:nvSpPr>
-            <p:spPr>
-              <a:xfrm>
-                <a:off x="5999273" y="2154265"/>
-                <a:ext cx="2350636" cy="585192"/>
-              </a:xfrm>
-              <a:prstGeom prst="flowChartDecision">
-                <a:avLst/>
-              </a:prstGeom>
-              <a:solidFill>
-                <a:srgbClr val="FFF8E1"/>
-              </a:solidFill>
-            </p:spPr>
-            <p:style>
-              <a:lnRef idx="2">
-                <a:schemeClr val="accent1">
-                  <a:shade val="15000"/>
-                </a:schemeClr>
-              </a:lnRef>
-              <a:fillRef idx="1">
-                <a:schemeClr val="accent1"/>
-              </a:fillRef>
-              <a:effectRef idx="0">
-                <a:schemeClr val="accent1"/>
-              </a:effectRef>
-              <a:fontRef idx="minor">
-                <a:schemeClr val="lt1"/>
-              </a:fontRef>
-            </p:style>
-            <p:txBody>
-              <a:bodyPr rtlCol="0" anchor="ctr"/>
-              <a:lstStyle/>
-              <a:p>
-                <a:pPr algn="ctr"/>
-                <a:r>
-                  <a:rPr lang="en-US" altLang="zh-CN" sz="1600" dirty="0">
-                    <a:solidFill>
-                      <a:schemeClr val="tx1">
-                        <a:lumMod val="95000"/>
-                        <a:lumOff val="5000"/>
-                      </a:schemeClr>
-                    </a:solidFill>
-                    <a:latin typeface="Times New Roman" panose="02020603050405020304" pitchFamily="18" charset="0"/>
-                    <a:cs typeface="Times New Roman" panose="02020603050405020304" pitchFamily="18" charset="0"/>
-                  </a:rPr>
-                  <a:t>GET||POST</a:t>
-                </a:r>
-                <a:endParaRPr lang="zh-CN" altLang="en-US" sz="1600" dirty="0">
-                  <a:solidFill>
-                    <a:schemeClr val="tx1">
-                      <a:lumMod val="95000"/>
-                      <a:lumOff val="5000"/>
-                    </a:schemeClr>
-                  </a:solidFill>
-                  <a:latin typeface="Times New Roman" panose="02020603050405020304" pitchFamily="18" charset="0"/>
-                  <a:cs typeface="Times New Roman" panose="02020603050405020304" pitchFamily="18" charset="0"/>
-                </a:endParaRPr>
-              </a:p>
-            </p:txBody>
-          </p:sp>
-          <p:sp>
-            <p:nvSpPr>
-              <p:cNvPr id="41" name="箭头: 右 40">
-                <a:extLst>
-                  <a:ext uri="{FF2B5EF4-FFF2-40B4-BE49-F238E27FC236}">
-                    <a16:creationId xmlns:a16="http://schemas.microsoft.com/office/drawing/2014/main" id="{E16C5388-C228-2711-56D0-2F6297341432}"/>
-                  </a:ext>
-                </a:extLst>
-              </p:cNvPr>
-              <p:cNvSpPr/>
-              <p:nvPr/>
-            </p:nvSpPr>
-            <p:spPr>
-              <a:xfrm>
-                <a:off x="3711908" y="2264828"/>
-                <a:ext cx="2287365" cy="364069"/>
-              </a:xfrm>
-              <a:prstGeom prst="rightArrow">
-                <a:avLst/>
-              </a:prstGeom>
-              <a:solidFill>
-                <a:srgbClr val="FF9896"/>
+                <a:schemeClr val="bg1"/>
               </a:solidFill>
             </p:spPr>
             <p:style>
@@ -29640,37 +29197,400 @@
               </a:p>
             </p:txBody>
           </p:sp>
-          <p:sp>
-            <p:nvSpPr>
-              <p:cNvPr id="43" name="文本框 42">
+          <p:grpSp>
+            <p:nvGrpSpPr>
+              <p:cNvPr id="91" name="组合 90">
                 <a:extLst>
                   <a:ext uri="{FF2B5EF4-FFF2-40B4-BE49-F238E27FC236}">
-                    <a16:creationId xmlns:a16="http://schemas.microsoft.com/office/drawing/2014/main" id="{8FC1728B-8F19-8D32-0671-F95152FD40F3}"/>
+                    <a16:creationId xmlns:a16="http://schemas.microsoft.com/office/drawing/2014/main" id="{0A7FF078-34CD-2C97-D8B6-39FB9FCC1591}"/>
                   </a:ext>
                 </a:extLst>
               </p:cNvPr>
-              <p:cNvSpPr txBox="1"/>
+              <p:cNvGrpSpPr/>
               <p:nvPr/>
-            </p:nvSpPr>
-            <p:spPr>
+            </p:nvGrpSpPr>
+            <p:grpSpPr>
               <a:xfrm>
-                <a:off x="3949147" y="2035614"/>
-                <a:ext cx="1344588" cy="307777"/>
+                <a:off x="2305545" y="952410"/>
+                <a:ext cx="10148922" cy="4445090"/>
+                <a:chOff x="2093878" y="977810"/>
+                <a:chExt cx="10148922" cy="4445090"/>
               </a:xfrm>
-              <a:prstGeom prst="rect">
-                <a:avLst/>
-              </a:prstGeom>
-              <a:noFill/>
-            </p:spPr>
-            <p:txBody>
-              <a:bodyPr wrap="square">
-                <a:spAutoFit/>
-              </a:bodyPr>
-              <a:lstStyle/>
-              <a:p>
-                <a:pPr algn="ctr"/>
-                <a:r>
-                  <a:rPr lang="en-US" altLang="zh-CN" sz="1400" dirty="0">
+            </p:grpSpPr>
+            <p:sp>
+              <p:nvSpPr>
+                <p:cNvPr id="10" name="文本框 9">
+                  <a:extLst>
+                    <a:ext uri="{FF2B5EF4-FFF2-40B4-BE49-F238E27FC236}">
+                      <a16:creationId xmlns:a16="http://schemas.microsoft.com/office/drawing/2014/main" id="{06B939EC-A58B-A7AA-0C45-14E6A80B56EA}"/>
+                    </a:ext>
+                  </a:extLst>
+                </p:cNvPr>
+                <p:cNvSpPr txBox="1"/>
+                <p:nvPr/>
+              </p:nvSpPr>
+              <p:spPr>
+                <a:xfrm>
+                  <a:off x="2464310" y="977810"/>
+                  <a:ext cx="877163" cy="369332"/>
+                </a:xfrm>
+                <a:prstGeom prst="rect">
+                  <a:avLst/>
+                </a:prstGeom>
+                <a:noFill/>
+              </p:spPr>
+              <p:txBody>
+                <a:bodyPr wrap="none" rtlCol="0">
+                  <a:spAutoFit/>
+                </a:bodyPr>
+                <a:lstStyle/>
+                <a:p>
+                  <a:r>
+                    <a:rPr lang="zh-CN" altLang="en-US" dirty="0">
+                      <a:latin typeface="仿宋" panose="02010609060101010101" pitchFamily="49" charset="-122"/>
+                      <a:ea typeface="仿宋" panose="02010609060101010101" pitchFamily="49" charset="-122"/>
+                    </a:rPr>
+                    <a:t>浏览器</a:t>
+                  </a:r>
+                </a:p>
+              </p:txBody>
+            </p:sp>
+            <p:grpSp>
+              <p:nvGrpSpPr>
+                <p:cNvPr id="40" name="组合 39">
+                  <a:extLst>
+                    <a:ext uri="{FF2B5EF4-FFF2-40B4-BE49-F238E27FC236}">
+                      <a16:creationId xmlns:a16="http://schemas.microsoft.com/office/drawing/2014/main" id="{9EDD0BE3-D529-6DC8-BFDC-7B6581E15B2C}"/>
+                    </a:ext>
+                  </a:extLst>
+                </p:cNvPr>
+                <p:cNvGrpSpPr/>
+                <p:nvPr/>
+              </p:nvGrpSpPr>
+              <p:grpSpPr>
+                <a:xfrm>
+                  <a:off x="5528914" y="977810"/>
+                  <a:ext cx="6713886" cy="4445090"/>
+                  <a:chOff x="6519514" y="977810"/>
+                  <a:chExt cx="6282085" cy="4445090"/>
+                </a:xfrm>
+              </p:grpSpPr>
+              <p:sp>
+                <p:nvSpPr>
+                  <p:cNvPr id="11" name="文本框 10">
+                    <a:extLst>
+                      <a:ext uri="{FF2B5EF4-FFF2-40B4-BE49-F238E27FC236}">
+                        <a16:creationId xmlns:a16="http://schemas.microsoft.com/office/drawing/2014/main" id="{88BEA415-635C-BA6A-9F3D-49D482D85E24}"/>
+                      </a:ext>
+                    </a:extLst>
+                  </p:cNvPr>
+                  <p:cNvSpPr txBox="1"/>
+                  <p:nvPr/>
+                </p:nvSpPr>
+                <p:spPr>
+                  <a:xfrm>
+                    <a:off x="8927053" y="977810"/>
+                    <a:ext cx="1252722" cy="369332"/>
+                  </a:xfrm>
+                  <a:prstGeom prst="rect">
+                    <a:avLst/>
+                  </a:prstGeom>
+                  <a:noFill/>
+                </p:spPr>
+                <p:txBody>
+                  <a:bodyPr wrap="none" rtlCol="0">
+                    <a:spAutoFit/>
+                  </a:bodyPr>
+                  <a:lstStyle/>
+                  <a:p>
+                    <a:r>
+                      <a:rPr lang="en-US" altLang="zh-CN" dirty="0">
+                        <a:latin typeface="仿宋" panose="02010609060101010101" pitchFamily="49" charset="-122"/>
+                        <a:ea typeface="仿宋" panose="02010609060101010101" pitchFamily="49" charset="-122"/>
+                      </a:rPr>
+                      <a:t>HTTP</a:t>
+                    </a:r>
+                    <a:r>
+                      <a:rPr lang="zh-CN" altLang="en-US" dirty="0">
+                        <a:latin typeface="仿宋" panose="02010609060101010101" pitchFamily="49" charset="-122"/>
+                        <a:ea typeface="仿宋" panose="02010609060101010101" pitchFamily="49" charset="-122"/>
+                      </a:rPr>
+                      <a:t>服务器</a:t>
+                    </a:r>
+                  </a:p>
+                </p:txBody>
+              </p:sp>
+              <p:grpSp>
+                <p:nvGrpSpPr>
+                  <p:cNvPr id="14" name="组合 13">
+                    <a:extLst>
+                      <a:ext uri="{FF2B5EF4-FFF2-40B4-BE49-F238E27FC236}">
+                        <a16:creationId xmlns:a16="http://schemas.microsoft.com/office/drawing/2014/main" id="{3DB89C06-D3BC-3B38-5A7A-4CB0CC2909CC}"/>
+                      </a:ext>
+                    </a:extLst>
+                  </p:cNvPr>
+                  <p:cNvGrpSpPr/>
+                  <p:nvPr/>
+                </p:nvGrpSpPr>
+                <p:grpSpPr>
+                  <a:xfrm>
+                    <a:off x="6519514" y="1435100"/>
+                    <a:ext cx="6282085" cy="3987800"/>
+                    <a:chOff x="2769643" y="762000"/>
+                    <a:chExt cx="2723105" cy="3987800"/>
+                  </a:xfrm>
+                </p:grpSpPr>
+                <p:sp>
+                  <p:nvSpPr>
+                    <p:cNvPr id="28" name="矩形 27">
+                      <a:extLst>
+                        <a:ext uri="{FF2B5EF4-FFF2-40B4-BE49-F238E27FC236}">
+                          <a16:creationId xmlns:a16="http://schemas.microsoft.com/office/drawing/2014/main" id="{72929F92-8418-6223-CB4E-7A5A5AA6FD8A}"/>
+                        </a:ext>
+                      </a:extLst>
+                    </p:cNvPr>
+                    <p:cNvSpPr/>
+                    <p:nvPr/>
+                  </p:nvSpPr>
+                  <p:spPr>
+                    <a:xfrm>
+                      <a:off x="2769643" y="762000"/>
+                      <a:ext cx="2723105" cy="3987800"/>
+                    </a:xfrm>
+                    <a:prstGeom prst="rect">
+                      <a:avLst/>
+                    </a:prstGeom>
+                    <a:solidFill>
+                      <a:srgbClr val="BDD7EE">
+                        <a:alpha val="40000"/>
+                      </a:srgbClr>
+                    </a:solidFill>
+                    <a:ln>
+                      <a:solidFill>
+                        <a:schemeClr val="accent1">
+                          <a:shade val="15000"/>
+                        </a:schemeClr>
+                      </a:solidFill>
+                      <a:prstDash val="solid"/>
+                    </a:ln>
+                  </p:spPr>
+                  <p:style>
+                    <a:lnRef idx="2">
+                      <a:schemeClr val="accent1">
+                        <a:shade val="15000"/>
+                      </a:schemeClr>
+                    </a:lnRef>
+                    <a:fillRef idx="1">
+                      <a:schemeClr val="accent1"/>
+                    </a:fillRef>
+                    <a:effectRef idx="0">
+                      <a:schemeClr val="accent1"/>
+                    </a:effectRef>
+                    <a:fontRef idx="minor">
+                      <a:schemeClr val="lt1"/>
+                    </a:fontRef>
+                  </p:style>
+                  <p:txBody>
+                    <a:bodyPr rtlCol="0" anchor="ctr"/>
+                    <a:lstStyle/>
+                    <a:p>
+                      <a:pPr algn="ctr"/>
+                      <a:endParaRPr lang="zh-CN" altLang="en-US" b="1" dirty="0">
+                        <a:solidFill>
+                          <a:srgbClr val="F5F5F5"/>
+                        </a:solidFill>
+                      </a:endParaRPr>
+                    </a:p>
+                  </p:txBody>
+                </p:sp>
+                <p:sp>
+                  <p:nvSpPr>
+                    <p:cNvPr id="31" name="矩形: 圆角 30">
+                      <a:extLst>
+                        <a:ext uri="{FF2B5EF4-FFF2-40B4-BE49-F238E27FC236}">
+                          <a16:creationId xmlns:a16="http://schemas.microsoft.com/office/drawing/2014/main" id="{6108CEF0-615B-191C-1E24-5A92E5E2BCD9}"/>
+                        </a:ext>
+                      </a:extLst>
+                    </p:cNvPr>
+                    <p:cNvSpPr/>
+                    <p:nvPr/>
+                  </p:nvSpPr>
+                  <p:spPr>
+                    <a:xfrm>
+                      <a:off x="4358900" y="1551685"/>
+                      <a:ext cx="955173" cy="442243"/>
+                    </a:xfrm>
+                    <a:prstGeom prst="roundRect">
+                      <a:avLst>
+                        <a:gd name="adj" fmla="val 9595"/>
+                      </a:avLst>
+                    </a:prstGeom>
+                    <a:solidFill>
+                      <a:schemeClr val="accent2">
+                        <a:lumMod val="20000"/>
+                        <a:lumOff val="80000"/>
+                      </a:schemeClr>
+                    </a:solidFill>
+                  </p:spPr>
+                  <p:style>
+                    <a:lnRef idx="2">
+                      <a:schemeClr val="accent1">
+                        <a:shade val="15000"/>
+                      </a:schemeClr>
+                    </a:lnRef>
+                    <a:fillRef idx="1">
+                      <a:schemeClr val="accent1"/>
+                    </a:fillRef>
+                    <a:effectRef idx="0">
+                      <a:schemeClr val="accent1"/>
+                    </a:effectRef>
+                    <a:fontRef idx="minor">
+                      <a:schemeClr val="lt1"/>
+                    </a:fontRef>
+                  </p:style>
+                  <p:txBody>
+                    <a:bodyPr rtlCol="0" anchor="ctr"/>
+                    <a:lstStyle/>
+                    <a:p>
+                      <a:pPr algn="ctr"/>
+                      <a:r>
+                        <a:rPr lang="zh-CN" altLang="en-US" sz="1600" dirty="0">
+                          <a:solidFill>
+                            <a:schemeClr val="tx1"/>
+                          </a:solidFill>
+                          <a:latin typeface="仿宋" panose="02010609060101010101" pitchFamily="49" charset="-122"/>
+                          <a:ea typeface="仿宋" panose="02010609060101010101" pitchFamily="49" charset="-122"/>
+                          <a:cs typeface="Times New Roman" panose="02020603050405020304" pitchFamily="18" charset="0"/>
+                        </a:rPr>
+                        <a:t>根据方法，获得参数</a:t>
+                      </a:r>
+                    </a:p>
+                  </p:txBody>
+                </p:sp>
+              </p:grpSp>
+            </p:grpSp>
+            <p:sp>
+              <p:nvSpPr>
+                <p:cNvPr id="22" name="矩形 21">
+                  <a:extLst>
+                    <a:ext uri="{FF2B5EF4-FFF2-40B4-BE49-F238E27FC236}">
+                      <a16:creationId xmlns:a16="http://schemas.microsoft.com/office/drawing/2014/main" id="{FB2A3D0D-F84D-6F4C-EF4C-CD4BE3ABDAFA}"/>
+                    </a:ext>
+                  </a:extLst>
+                </p:cNvPr>
+                <p:cNvSpPr/>
+                <p:nvPr/>
+              </p:nvSpPr>
+              <p:spPr>
+                <a:xfrm>
+                  <a:off x="2093878" y="1432860"/>
+                  <a:ext cx="1618029" cy="3987800"/>
+                </a:xfrm>
+                <a:prstGeom prst="rect">
+                  <a:avLst/>
+                </a:prstGeom>
+                <a:solidFill>
+                  <a:srgbClr val="BDD7EE">
+                    <a:alpha val="40000"/>
+                  </a:srgbClr>
+                </a:solidFill>
+                <a:ln>
+                  <a:solidFill>
+                    <a:schemeClr val="accent1">
+                      <a:shade val="15000"/>
+                    </a:schemeClr>
+                  </a:solidFill>
+                  <a:prstDash val="solid"/>
+                </a:ln>
+              </p:spPr>
+              <p:style>
+                <a:lnRef idx="2">
+                  <a:schemeClr val="accent1">
+                    <a:shade val="15000"/>
+                  </a:schemeClr>
+                </a:lnRef>
+                <a:fillRef idx="1">
+                  <a:schemeClr val="accent1"/>
+                </a:fillRef>
+                <a:effectRef idx="0">
+                  <a:schemeClr val="accent1"/>
+                </a:effectRef>
+                <a:fontRef idx="minor">
+                  <a:schemeClr val="lt1"/>
+                </a:fontRef>
+              </p:style>
+              <p:txBody>
+                <a:bodyPr rtlCol="0" anchor="ctr"/>
+                <a:lstStyle/>
+                <a:p>
+                  <a:pPr algn="ctr"/>
+                  <a:endParaRPr lang="zh-CN" altLang="en-US" b="1" dirty="0">
+                    <a:solidFill>
+                      <a:srgbClr val="FFF8E1"/>
+                    </a:solidFill>
+                  </a:endParaRPr>
+                </a:p>
+              </p:txBody>
+            </p:sp>
+            <p:sp>
+              <p:nvSpPr>
+                <p:cNvPr id="39" name="流程图: 决策 38">
+                  <a:extLst>
+                    <a:ext uri="{FF2B5EF4-FFF2-40B4-BE49-F238E27FC236}">
+                      <a16:creationId xmlns:a16="http://schemas.microsoft.com/office/drawing/2014/main" id="{02CAA953-80C4-96DA-83B6-1201200B37AE}"/>
+                    </a:ext>
+                  </a:extLst>
+                </p:cNvPr>
+                <p:cNvSpPr/>
+                <p:nvPr/>
+              </p:nvSpPr>
+              <p:spPr>
+                <a:xfrm>
+                  <a:off x="5999273" y="2154265"/>
+                  <a:ext cx="2350636" cy="585192"/>
+                </a:xfrm>
+                <a:prstGeom prst="flowChartDecision">
+                  <a:avLst/>
+                </a:prstGeom>
+                <a:solidFill>
+                  <a:srgbClr val="FFF8E1"/>
+                </a:solidFill>
+              </p:spPr>
+              <p:style>
+                <a:lnRef idx="2">
+                  <a:schemeClr val="accent1">
+                    <a:shade val="15000"/>
+                  </a:schemeClr>
+                </a:lnRef>
+                <a:fillRef idx="1">
+                  <a:schemeClr val="accent1"/>
+                </a:fillRef>
+                <a:effectRef idx="0">
+                  <a:schemeClr val="accent1"/>
+                </a:effectRef>
+                <a:fontRef idx="minor">
+                  <a:schemeClr val="lt1"/>
+                </a:fontRef>
+              </p:style>
+              <p:txBody>
+                <a:bodyPr rtlCol="0" anchor="ctr"/>
+                <a:lstStyle/>
+                <a:p>
+                  <a:pPr algn="ctr"/>
+                  <a:r>
+                    <a:rPr lang="en-US" altLang="zh-CN" sz="1600" dirty="0">
+                      <a:solidFill>
+                        <a:schemeClr val="tx1">
+                          <a:lumMod val="95000"/>
+                          <a:lumOff val="5000"/>
+                        </a:schemeClr>
+                      </a:solidFill>
+                      <a:latin typeface="Times New Roman" panose="02020603050405020304" pitchFamily="18" charset="0"/>
+                      <a:cs typeface="Times New Roman" panose="02020603050405020304" pitchFamily="18" charset="0"/>
+                    </a:rPr>
+                    <a:t>GET||POST</a:t>
+                  </a:r>
+                  <a:endParaRPr lang="zh-CN" altLang="en-US" sz="1600" dirty="0">
                     <a:solidFill>
                       <a:schemeClr val="tx1">
                         <a:lumMod val="95000"/>
@@ -29679,69 +29599,53 @@
                     </a:solidFill>
                     <a:latin typeface="Times New Roman" panose="02020603050405020304" pitchFamily="18" charset="0"/>
                     <a:cs typeface="Times New Roman" panose="02020603050405020304" pitchFamily="18" charset="0"/>
-                  </a:rPr>
-                  <a:t>HTTP Request</a:t>
-                </a:r>
-                <a:endParaRPr lang="zh-CN" altLang="en-US" sz="1400" dirty="0">
-                  <a:solidFill>
-                    <a:schemeClr val="tx1">
-                      <a:lumMod val="95000"/>
-                      <a:lumOff val="5000"/>
-                    </a:schemeClr>
-                  </a:solidFill>
-                  <a:latin typeface="Times New Roman" panose="02020603050405020304" pitchFamily="18" charset="0"/>
-                  <a:cs typeface="Times New Roman" panose="02020603050405020304" pitchFamily="18" charset="0"/>
-                </a:endParaRPr>
-              </a:p>
-            </p:txBody>
-          </p:sp>
-          <p:sp>
-            <p:nvSpPr>
-              <p:cNvPr id="45" name="流程图: 决策 44">
-                <a:extLst>
-                  <a:ext uri="{FF2B5EF4-FFF2-40B4-BE49-F238E27FC236}">
-                    <a16:creationId xmlns:a16="http://schemas.microsoft.com/office/drawing/2014/main" id="{9BB33F14-5437-476A-F17B-55FDF20F539F}"/>
-                  </a:ext>
-                </a:extLst>
-              </p:cNvPr>
-              <p:cNvSpPr/>
-              <p:nvPr/>
-            </p:nvSpPr>
-            <p:spPr>
-              <a:xfrm>
-                <a:off x="5999272" y="3289536"/>
-                <a:ext cx="2350636" cy="585192"/>
-              </a:xfrm>
-              <a:prstGeom prst="flowChartDecision">
-                <a:avLst/>
-              </a:prstGeom>
-              <a:solidFill>
-                <a:srgbClr val="FFF8E1"/>
-              </a:solidFill>
-            </p:spPr>
-            <p:style>
-              <a:lnRef idx="2">
-                <a:schemeClr val="accent1">
-                  <a:shade val="15000"/>
-                </a:schemeClr>
-              </a:lnRef>
-              <a:fillRef idx="1">
-                <a:schemeClr val="accent1"/>
-              </a:fillRef>
-              <a:effectRef idx="0">
-                <a:schemeClr val="accent1"/>
-              </a:effectRef>
-              <a:fontRef idx="minor">
-                <a:schemeClr val="lt1"/>
-              </a:fontRef>
-            </p:style>
-            <p:txBody>
-              <a:bodyPr rtlCol="0" anchor="ctr"/>
-              <a:lstStyle/>
-              <a:p>
-                <a:pPr algn="ctr"/>
-                <a:r>
-                  <a:rPr lang="zh-CN" altLang="en-US" sz="1600" dirty="0">
+                  </a:endParaRPr>
+                </a:p>
+              </p:txBody>
+            </p:sp>
+            <p:sp>
+              <p:nvSpPr>
+                <p:cNvPr id="43" name="文本框 42">
+                  <a:extLst>
+                    <a:ext uri="{FF2B5EF4-FFF2-40B4-BE49-F238E27FC236}">
+                      <a16:creationId xmlns:a16="http://schemas.microsoft.com/office/drawing/2014/main" id="{8FC1728B-8F19-8D32-0671-F95152FD40F3}"/>
+                    </a:ext>
+                  </a:extLst>
+                </p:cNvPr>
+                <p:cNvSpPr txBox="1"/>
+                <p:nvPr/>
+              </p:nvSpPr>
+              <p:spPr>
+                <a:xfrm>
+                  <a:off x="3949147" y="2035614"/>
+                  <a:ext cx="1344588" cy="307777"/>
+                </a:xfrm>
+                <a:prstGeom prst="rect">
+                  <a:avLst/>
+                </a:prstGeom>
+                <a:noFill/>
+              </p:spPr>
+              <p:txBody>
+                <a:bodyPr wrap="square">
+                  <a:spAutoFit/>
+                </a:bodyPr>
+                <a:lstStyle/>
+                <a:p>
+                  <a:pPr algn="ctr"/>
+                  <a:r>
+                    <a:rPr lang="en-US" altLang="zh-CN" sz="1400" dirty="0">
+                      <a:solidFill>
+                        <a:schemeClr val="tx1">
+                          <a:lumMod val="95000"/>
+                          <a:lumOff val="5000"/>
+                        </a:schemeClr>
+                      </a:solidFill>
+                      <a:latin typeface="Times New Roman" panose="02020603050405020304" pitchFamily="18" charset="0"/>
+                      <a:cs typeface="Times New Roman" panose="02020603050405020304" pitchFamily="18" charset="0"/>
+                    </a:rPr>
+                    <a:t>HTTP Request</a:t>
+                  </a:r>
+                  <a:endParaRPr lang="zh-CN" altLang="en-US" sz="1400" dirty="0">
                     <a:solidFill>
                       <a:schemeClr val="tx1">
                         <a:lumMod val="95000"/>
@@ -29750,102 +29654,126 @@
                     </a:solidFill>
                     <a:latin typeface="Times New Roman" panose="02020603050405020304" pitchFamily="18" charset="0"/>
                     <a:cs typeface="Times New Roman" panose="02020603050405020304" pitchFamily="18" charset="0"/>
-                  </a:rPr>
-                  <a:t>是否带参</a:t>
-                </a:r>
-                <a:endParaRPr lang="en-US" altLang="zh-CN" sz="1600" dirty="0">
-                  <a:solidFill>
-                    <a:schemeClr val="tx1">
-                      <a:lumMod val="95000"/>
-                      <a:lumOff val="5000"/>
-                    </a:schemeClr>
-                  </a:solidFill>
-                  <a:latin typeface="Times New Roman" panose="02020603050405020304" pitchFamily="18" charset="0"/>
-                  <a:cs typeface="Times New Roman" panose="02020603050405020304" pitchFamily="18" charset="0"/>
-                </a:endParaRPr>
-              </a:p>
-            </p:txBody>
-          </p:sp>
-          <p:sp>
-            <p:nvSpPr>
-              <p:cNvPr id="46" name="箭头: 右 45">
-                <a:extLst>
-                  <a:ext uri="{FF2B5EF4-FFF2-40B4-BE49-F238E27FC236}">
-                    <a16:creationId xmlns:a16="http://schemas.microsoft.com/office/drawing/2014/main" id="{BD3630C2-64E7-73E3-DA0E-7722747EB1AE}"/>
-                  </a:ext>
-                </a:extLst>
-              </p:cNvPr>
-              <p:cNvSpPr/>
-              <p:nvPr/>
-            </p:nvSpPr>
-            <p:spPr>
-              <a:xfrm>
-                <a:off x="8349908" y="2343391"/>
-                <a:ext cx="1072772" cy="206942"/>
-              </a:xfrm>
-              <a:prstGeom prst="rightArrow">
-                <a:avLst/>
-              </a:prstGeom>
-              <a:solidFill>
-                <a:srgbClr val="FF9896"/>
-              </a:solidFill>
-            </p:spPr>
-            <p:style>
-              <a:lnRef idx="2">
-                <a:schemeClr val="accent1">
-                  <a:shade val="15000"/>
-                </a:schemeClr>
-              </a:lnRef>
-              <a:fillRef idx="1">
-                <a:schemeClr val="accent1"/>
-              </a:fillRef>
-              <a:effectRef idx="0">
-                <a:schemeClr val="accent1"/>
-              </a:effectRef>
-              <a:fontRef idx="minor">
-                <a:schemeClr val="lt1"/>
-              </a:fontRef>
-            </p:style>
-            <p:txBody>
-              <a:bodyPr rtlCol="0" anchor="ctr"/>
-              <a:lstStyle/>
-              <a:p>
-                <a:pPr algn="ctr"/>
-                <a:endParaRPr lang="zh-CN" altLang="en-US"/>
-              </a:p>
-            </p:txBody>
-          </p:sp>
-          <p:sp>
-            <p:nvSpPr>
-              <p:cNvPr id="48" name="文本框 47">
-                <a:extLst>
-                  <a:ext uri="{FF2B5EF4-FFF2-40B4-BE49-F238E27FC236}">
-                    <a16:creationId xmlns:a16="http://schemas.microsoft.com/office/drawing/2014/main" id="{A7A8AB0D-FA78-8AA4-7FEE-CBC0B815102D}"/>
-                  </a:ext>
-                </a:extLst>
-              </p:cNvPr>
-              <p:cNvSpPr txBox="1"/>
-              <p:nvPr/>
-            </p:nvSpPr>
-            <p:spPr>
-              <a:xfrm>
-                <a:off x="8214001" y="2066307"/>
-                <a:ext cx="1344588" cy="307777"/>
-              </a:xfrm>
-              <a:prstGeom prst="rect">
-                <a:avLst/>
-              </a:prstGeom>
-              <a:noFill/>
-            </p:spPr>
-            <p:txBody>
-              <a:bodyPr wrap="square">
-                <a:spAutoFit/>
-              </a:bodyPr>
-              <a:lstStyle/>
-              <a:p>
-                <a:pPr algn="ctr"/>
-                <a:r>
-                  <a:rPr lang="en-US" altLang="zh-CN" sz="1400" dirty="0">
+                  </a:endParaRPr>
+                </a:p>
+              </p:txBody>
+            </p:sp>
+            <p:sp>
+              <p:nvSpPr>
+                <p:cNvPr id="45" name="流程图: 决策 44">
+                  <a:extLst>
+                    <a:ext uri="{FF2B5EF4-FFF2-40B4-BE49-F238E27FC236}">
+                      <a16:creationId xmlns:a16="http://schemas.microsoft.com/office/drawing/2014/main" id="{9BB33F14-5437-476A-F17B-55FDF20F539F}"/>
+                    </a:ext>
+                  </a:extLst>
+                </p:cNvPr>
+                <p:cNvSpPr/>
+                <p:nvPr/>
+              </p:nvSpPr>
+              <p:spPr>
+                <a:xfrm>
+                  <a:off x="5999272" y="3289536"/>
+                  <a:ext cx="2350636" cy="585192"/>
+                </a:xfrm>
+                <a:prstGeom prst="flowChartDecision">
+                  <a:avLst/>
+                </a:prstGeom>
+                <a:solidFill>
+                  <a:srgbClr val="FFF8E1"/>
+                </a:solidFill>
+              </p:spPr>
+              <p:style>
+                <a:lnRef idx="2">
+                  <a:schemeClr val="accent1">
+                    <a:shade val="15000"/>
+                  </a:schemeClr>
+                </a:lnRef>
+                <a:fillRef idx="1">
+                  <a:schemeClr val="accent1"/>
+                </a:fillRef>
+                <a:effectRef idx="0">
+                  <a:schemeClr val="accent1"/>
+                </a:effectRef>
+                <a:fontRef idx="minor">
+                  <a:schemeClr val="lt1"/>
+                </a:fontRef>
+              </p:style>
+              <p:txBody>
+                <a:bodyPr rtlCol="0" anchor="ctr"/>
+                <a:lstStyle/>
+                <a:p>
+                  <a:pPr algn="ctr"/>
+                  <a:r>
+                    <a:rPr lang="zh-CN" altLang="en-US" sz="1600" dirty="0">
+                      <a:solidFill>
+                        <a:schemeClr val="tx1">
+                          <a:lumMod val="95000"/>
+                          <a:lumOff val="5000"/>
+                        </a:schemeClr>
+                      </a:solidFill>
+                      <a:latin typeface="仿宋" panose="02010609060101010101" pitchFamily="49" charset="-122"/>
+                      <a:ea typeface="仿宋" panose="02010609060101010101" pitchFamily="49" charset="-122"/>
+                      <a:cs typeface="Times New Roman" panose="02020603050405020304" pitchFamily="18" charset="0"/>
+                    </a:rPr>
+                    <a:t>是否带参</a:t>
+                  </a:r>
+                  <a:endParaRPr lang="en-US" altLang="zh-CN" sz="1600" dirty="0">
+                    <a:solidFill>
+                      <a:schemeClr val="tx1">
+                        <a:lumMod val="95000"/>
+                        <a:lumOff val="5000"/>
+                      </a:schemeClr>
+                    </a:solidFill>
+                    <a:latin typeface="仿宋" panose="02010609060101010101" pitchFamily="49" charset="-122"/>
+                    <a:ea typeface="仿宋" panose="02010609060101010101" pitchFamily="49" charset="-122"/>
+                    <a:cs typeface="Times New Roman" panose="02020603050405020304" pitchFamily="18" charset="0"/>
+                  </a:endParaRPr>
+                </a:p>
+              </p:txBody>
+            </p:sp>
+            <p:sp>
+              <p:nvSpPr>
+                <p:cNvPr id="48" name="文本框 47">
+                  <a:extLst>
+                    <a:ext uri="{FF2B5EF4-FFF2-40B4-BE49-F238E27FC236}">
+                      <a16:creationId xmlns:a16="http://schemas.microsoft.com/office/drawing/2014/main" id="{A7A8AB0D-FA78-8AA4-7FEE-CBC0B815102D}"/>
+                    </a:ext>
+                  </a:extLst>
+                </p:cNvPr>
+                <p:cNvSpPr txBox="1"/>
+                <p:nvPr/>
+              </p:nvSpPr>
+              <p:spPr>
+                <a:xfrm>
+                  <a:off x="8214001" y="2066307"/>
+                  <a:ext cx="1344588" cy="307777"/>
+                </a:xfrm>
+                <a:prstGeom prst="rect">
+                  <a:avLst/>
+                </a:prstGeom>
+                <a:noFill/>
+              </p:spPr>
+              <p:txBody>
+                <a:bodyPr wrap="square">
+                  <a:spAutoFit/>
+                </a:bodyPr>
+                <a:lstStyle/>
+                <a:p>
+                  <a:pPr algn="ctr"/>
+                  <a:r>
+                    <a:rPr lang="en-US" altLang="zh-CN" sz="1400" dirty="0">
+                      <a:solidFill>
+                        <a:schemeClr val="tx1">
+                          <a:lumMod val="95000"/>
+                          <a:lumOff val="5000"/>
+                        </a:schemeClr>
+                      </a:solidFill>
+                      <a:latin typeface="Times New Roman" panose="02020603050405020304" pitchFamily="18" charset="0"/>
+                      <a:cs typeface="Times New Roman" panose="02020603050405020304" pitchFamily="18" charset="0"/>
+                    </a:rPr>
+                    <a:t>POST</a:t>
+                  </a:r>
+                  <a:endParaRPr lang="zh-CN" altLang="en-US" sz="1400" dirty="0">
                     <a:solidFill>
                       <a:schemeClr val="tx1">
                         <a:lumMod val="95000"/>
@@ -29854,102 +29782,53 @@
                     </a:solidFill>
                     <a:latin typeface="Times New Roman" panose="02020603050405020304" pitchFamily="18" charset="0"/>
                     <a:cs typeface="Times New Roman" panose="02020603050405020304" pitchFamily="18" charset="0"/>
-                  </a:rPr>
-                  <a:t>POST</a:t>
-                </a:r>
-                <a:endParaRPr lang="zh-CN" altLang="en-US" sz="1400" dirty="0">
-                  <a:solidFill>
-                    <a:schemeClr val="tx1">
-                      <a:lumMod val="95000"/>
-                      <a:lumOff val="5000"/>
-                    </a:schemeClr>
-                  </a:solidFill>
-                  <a:latin typeface="Times New Roman" panose="02020603050405020304" pitchFamily="18" charset="0"/>
-                  <a:cs typeface="Times New Roman" panose="02020603050405020304" pitchFamily="18" charset="0"/>
-                </a:endParaRPr>
-              </a:p>
-            </p:txBody>
-          </p:sp>
-          <p:sp>
-            <p:nvSpPr>
-              <p:cNvPr id="49" name="箭头: 右 48">
-                <a:extLst>
-                  <a:ext uri="{FF2B5EF4-FFF2-40B4-BE49-F238E27FC236}">
-                    <a16:creationId xmlns:a16="http://schemas.microsoft.com/office/drawing/2014/main" id="{6DC6891A-E89D-5152-22A2-F7326B19F5B1}"/>
-                  </a:ext>
-                </a:extLst>
-              </p:cNvPr>
-              <p:cNvSpPr/>
-              <p:nvPr/>
-            </p:nvSpPr>
-            <p:spPr>
-              <a:xfrm rot="5400000">
-                <a:off x="6899550" y="2911026"/>
-                <a:ext cx="550079" cy="206942"/>
-              </a:xfrm>
-              <a:prstGeom prst="rightArrow">
-                <a:avLst/>
-              </a:prstGeom>
-              <a:solidFill>
-                <a:srgbClr val="FF9896"/>
-              </a:solidFill>
-            </p:spPr>
-            <p:style>
-              <a:lnRef idx="2">
-                <a:schemeClr val="accent1">
-                  <a:shade val="15000"/>
-                </a:schemeClr>
-              </a:lnRef>
-              <a:fillRef idx="1">
-                <a:schemeClr val="accent1"/>
-              </a:fillRef>
-              <a:effectRef idx="0">
-                <a:schemeClr val="accent1"/>
-              </a:effectRef>
-              <a:fontRef idx="minor">
-                <a:schemeClr val="lt1"/>
-              </a:fontRef>
-            </p:style>
-            <p:txBody>
-              <a:bodyPr rtlCol="0" anchor="ctr"/>
-              <a:lstStyle/>
-              <a:p>
-                <a:pPr algn="ctr"/>
-                <a:endParaRPr lang="zh-CN" altLang="en-US"/>
-              </a:p>
-            </p:txBody>
-          </p:sp>
-          <p:sp>
-            <p:nvSpPr>
-              <p:cNvPr id="50" name="文本框 49">
-                <a:extLst>
-                  <a:ext uri="{FF2B5EF4-FFF2-40B4-BE49-F238E27FC236}">
-                    <a16:creationId xmlns:a16="http://schemas.microsoft.com/office/drawing/2014/main" id="{E57F1B2C-60F8-C523-66F7-6D8CAEA90718}"/>
-                  </a:ext>
-                </a:extLst>
-              </p:cNvPr>
-              <p:cNvSpPr txBox="1"/>
-              <p:nvPr/>
-            </p:nvSpPr>
-            <p:spPr>
-              <a:xfrm>
-                <a:off x="6893201" y="2815723"/>
-                <a:ext cx="1344588" cy="307777"/>
-              </a:xfrm>
-              <a:prstGeom prst="rect">
-                <a:avLst/>
-              </a:prstGeom>
-              <a:noFill/>
-            </p:spPr>
-            <p:txBody>
-              <a:bodyPr wrap="square">
-                <a:spAutoFit/>
-              </a:bodyPr>
-              <a:lstStyle/>
-              <a:p>
-                <a:pPr algn="ctr"/>
-                <a:r>
-                  <a:rPr lang="en-US" altLang="zh-CN" sz="1400" dirty="0">
+                  </a:endParaRPr>
+                </a:p>
+              </p:txBody>
+            </p:sp>
+            <p:sp>
+              <p:nvSpPr>
+                <p:cNvPr id="50" name="文本框 49">
+                  <a:extLst>
+                    <a:ext uri="{FF2B5EF4-FFF2-40B4-BE49-F238E27FC236}">
+                      <a16:creationId xmlns:a16="http://schemas.microsoft.com/office/drawing/2014/main" id="{E57F1B2C-60F8-C523-66F7-6D8CAEA90718}"/>
+                    </a:ext>
+                  </a:extLst>
+                </p:cNvPr>
+                <p:cNvSpPr txBox="1"/>
+                <p:nvPr/>
+              </p:nvSpPr>
+              <p:spPr>
+                <a:xfrm>
+                  <a:off x="7322496" y="2814829"/>
+                  <a:ext cx="544820" cy="307777"/>
+                </a:xfrm>
+                <a:prstGeom prst="rect">
+                  <a:avLst/>
+                </a:prstGeom>
+                <a:noFill/>
+              </p:spPr>
+              <p:txBody>
+                <a:bodyPr wrap="square">
+                  <a:spAutoFit/>
+                </a:bodyPr>
+                <a:lstStyle/>
+                <a:p>
+                  <a:pPr algn="ctr"/>
+                  <a:r>
+                    <a:rPr lang="en-US" altLang="zh-CN" sz="1400" dirty="0">
+                      <a:solidFill>
+                        <a:schemeClr val="tx1">
+                          <a:lumMod val="95000"/>
+                          <a:lumOff val="5000"/>
+                        </a:schemeClr>
+                      </a:solidFill>
+                      <a:latin typeface="Times New Roman" panose="02020603050405020304" pitchFamily="18" charset="0"/>
+                      <a:cs typeface="Times New Roman" panose="02020603050405020304" pitchFamily="18" charset="0"/>
+                    </a:rPr>
+                    <a:t>GET</a:t>
+                  </a:r>
+                  <a:endParaRPr lang="zh-CN" altLang="en-US" sz="1400" dirty="0">
                     <a:solidFill>
                       <a:schemeClr val="tx1">
                         <a:lumMod val="95000"/>
@@ -29958,224 +29837,696 @@
                     </a:solidFill>
                     <a:latin typeface="Times New Roman" panose="02020603050405020304" pitchFamily="18" charset="0"/>
                     <a:cs typeface="Times New Roman" panose="02020603050405020304" pitchFamily="18" charset="0"/>
-                  </a:rPr>
-                  <a:t>GET</a:t>
-                </a:r>
-                <a:endParaRPr lang="zh-CN" altLang="en-US" sz="1400" dirty="0">
-                  <a:solidFill>
-                    <a:schemeClr val="tx1">
-                      <a:lumMod val="95000"/>
-                      <a:lumOff val="5000"/>
-                    </a:schemeClr>
-                  </a:solidFill>
-                  <a:latin typeface="Times New Roman" panose="02020603050405020304" pitchFamily="18" charset="0"/>
-                  <a:cs typeface="Times New Roman" panose="02020603050405020304" pitchFamily="18" charset="0"/>
-                </a:endParaRPr>
-              </a:p>
-            </p:txBody>
-          </p:sp>
-          <p:sp>
-            <p:nvSpPr>
-              <p:cNvPr id="51" name="箭头: 右 50">
-                <a:extLst>
-                  <a:ext uri="{FF2B5EF4-FFF2-40B4-BE49-F238E27FC236}">
-                    <a16:creationId xmlns:a16="http://schemas.microsoft.com/office/drawing/2014/main" id="{E8129536-9530-39A2-DB0E-A0BA73A0AEBF}"/>
-                  </a:ext>
-                </a:extLst>
-              </p:cNvPr>
-              <p:cNvSpPr/>
-              <p:nvPr/>
-            </p:nvSpPr>
-            <p:spPr>
-              <a:xfrm rot="18892443">
-                <a:off x="8152795" y="2969515"/>
-                <a:ext cx="1441785" cy="206942"/>
-              </a:xfrm>
-              <a:prstGeom prst="rightArrow">
-                <a:avLst/>
-              </a:prstGeom>
-              <a:solidFill>
-                <a:srgbClr val="FF9896"/>
-              </a:solidFill>
-            </p:spPr>
-            <p:style>
-              <a:lnRef idx="2">
-                <a:schemeClr val="accent1">
-                  <a:shade val="15000"/>
-                </a:schemeClr>
-              </a:lnRef>
-              <a:fillRef idx="1">
-                <a:schemeClr val="accent1"/>
-              </a:fillRef>
-              <a:effectRef idx="0">
-                <a:schemeClr val="accent1"/>
-              </a:effectRef>
-              <a:fontRef idx="minor">
-                <a:schemeClr val="lt1"/>
-              </a:fontRef>
-            </p:style>
-            <p:txBody>
-              <a:bodyPr rtlCol="0" anchor="ctr"/>
-              <a:lstStyle/>
-              <a:p>
-                <a:pPr algn="ctr"/>
-                <a:endParaRPr lang="zh-CN" altLang="en-US"/>
-              </a:p>
-            </p:txBody>
-          </p:sp>
-          <p:sp>
-            <p:nvSpPr>
-              <p:cNvPr id="53" name="矩形: 圆角 52">
-                <a:extLst>
-                  <a:ext uri="{FF2B5EF4-FFF2-40B4-BE49-F238E27FC236}">
-                    <a16:creationId xmlns:a16="http://schemas.microsoft.com/office/drawing/2014/main" id="{1E5FD7A8-1960-37E1-78B9-F5F010EAF4BE}"/>
-                  </a:ext>
-                </a:extLst>
-              </p:cNvPr>
-              <p:cNvSpPr/>
-              <p:nvPr/>
-            </p:nvSpPr>
-            <p:spPr>
-              <a:xfrm>
-                <a:off x="9143884" y="3274562"/>
-                <a:ext cx="1177200" cy="1428456"/>
-              </a:xfrm>
-              <a:prstGeom prst="roundRect">
-                <a:avLst>
-                  <a:gd name="adj" fmla="val 9595"/>
-                </a:avLst>
-              </a:prstGeom>
-              <a:solidFill>
-                <a:schemeClr val="accent2">
-                  <a:lumMod val="20000"/>
-                  <a:lumOff val="80000"/>
-                </a:schemeClr>
-              </a:solidFill>
-            </p:spPr>
-            <p:style>
-              <a:lnRef idx="2">
-                <a:schemeClr val="accent1">
-                  <a:shade val="15000"/>
-                </a:schemeClr>
-              </a:lnRef>
-              <a:fillRef idx="1">
-                <a:schemeClr val="accent1"/>
-              </a:fillRef>
-              <a:effectRef idx="0">
-                <a:schemeClr val="accent1"/>
-              </a:effectRef>
-              <a:fontRef idx="minor">
-                <a:schemeClr val="lt1"/>
-              </a:fontRef>
-            </p:style>
-            <p:txBody>
-              <a:bodyPr rtlCol="0" anchor="ctr"/>
-              <a:lstStyle/>
-              <a:p>
-                <a:pPr algn="ctr"/>
-                <a:endParaRPr lang="zh-CN" altLang="en-US" sz="1600" dirty="0">
-                  <a:solidFill>
-                    <a:schemeClr val="tx1"/>
-                  </a:solidFill>
-                  <a:latin typeface="微软雅黑" panose="020B0503020204020204" pitchFamily="34" charset="-122"/>
-                  <a:ea typeface="微软雅黑" panose="020B0503020204020204" pitchFamily="34" charset="-122"/>
-                  <a:cs typeface="Times New Roman" panose="02020603050405020304" pitchFamily="18" charset="0"/>
-                </a:endParaRPr>
-              </a:p>
-            </p:txBody>
-          </p:sp>
-          <p:sp>
-            <p:nvSpPr>
-              <p:cNvPr id="58" name="矩形: 圆角 57">
-                <a:extLst>
-                  <a:ext uri="{FF2B5EF4-FFF2-40B4-BE49-F238E27FC236}">
-                    <a16:creationId xmlns:a16="http://schemas.microsoft.com/office/drawing/2014/main" id="{965E62BB-E255-85EE-F24A-04F2166B2AF9}"/>
-                  </a:ext>
-                </a:extLst>
-              </p:cNvPr>
-              <p:cNvSpPr/>
-              <p:nvPr/>
-            </p:nvSpPr>
-            <p:spPr>
-              <a:xfrm>
-                <a:off x="10905284" y="3273554"/>
-                <a:ext cx="1177200" cy="1428456"/>
-              </a:xfrm>
-              <a:prstGeom prst="roundRect">
-                <a:avLst>
-                  <a:gd name="adj" fmla="val 9595"/>
-                </a:avLst>
-              </a:prstGeom>
-              <a:solidFill>
-                <a:schemeClr val="accent2">
-                  <a:lumMod val="20000"/>
-                  <a:lumOff val="80000"/>
-                </a:schemeClr>
-              </a:solidFill>
-            </p:spPr>
-            <p:style>
-              <a:lnRef idx="2">
-                <a:schemeClr val="accent1">
-                  <a:shade val="15000"/>
-                </a:schemeClr>
-              </a:lnRef>
-              <a:fillRef idx="1">
-                <a:schemeClr val="accent1"/>
-              </a:fillRef>
-              <a:effectRef idx="0">
-                <a:schemeClr val="accent1"/>
-              </a:effectRef>
-              <a:fontRef idx="minor">
-                <a:schemeClr val="lt1"/>
-              </a:fontRef>
-            </p:style>
-            <p:txBody>
-              <a:bodyPr rtlCol="0" anchor="ctr"/>
-              <a:lstStyle/>
-              <a:p>
-                <a:pPr algn="ctr"/>
-                <a:endParaRPr lang="zh-CN" altLang="en-US" sz="1600" dirty="0">
-                  <a:solidFill>
-                    <a:schemeClr val="tx1"/>
-                  </a:solidFill>
-                  <a:latin typeface="微软雅黑" panose="020B0503020204020204" pitchFamily="34" charset="-122"/>
-                  <a:ea typeface="微软雅黑" panose="020B0503020204020204" pitchFamily="34" charset="-122"/>
-                  <a:cs typeface="Times New Roman" panose="02020603050405020304" pitchFamily="18" charset="0"/>
-                </a:endParaRPr>
-              </a:p>
-            </p:txBody>
-          </p:sp>
-          <p:sp>
-            <p:nvSpPr>
-              <p:cNvPr id="60" name="文本框 59">
-                <a:extLst>
-                  <a:ext uri="{FF2B5EF4-FFF2-40B4-BE49-F238E27FC236}">
-                    <a16:creationId xmlns:a16="http://schemas.microsoft.com/office/drawing/2014/main" id="{E0AEED24-DB53-F5C2-8A8C-495774D42747}"/>
-                  </a:ext>
-                </a:extLst>
-              </p:cNvPr>
-              <p:cNvSpPr txBox="1"/>
-              <p:nvPr/>
-            </p:nvSpPr>
-            <p:spPr>
-              <a:xfrm>
-                <a:off x="9312119" y="2944424"/>
-                <a:ext cx="840730" cy="307777"/>
-              </a:xfrm>
-              <a:prstGeom prst="rect">
-                <a:avLst/>
-              </a:prstGeom>
-              <a:noFill/>
-            </p:spPr>
-            <p:txBody>
-              <a:bodyPr wrap="square">
-                <a:spAutoFit/>
-              </a:bodyPr>
-              <a:lstStyle/>
-              <a:p>
-                <a:pPr algn="ctr"/>
-                <a:r>
-                  <a:rPr lang="zh-CN" altLang="en-US" sz="1400" dirty="0">
+                  </a:endParaRPr>
+                </a:p>
+              </p:txBody>
+            </p:sp>
+            <p:sp>
+              <p:nvSpPr>
+                <p:cNvPr id="53" name="矩形: 圆角 52">
+                  <a:extLst>
+                    <a:ext uri="{FF2B5EF4-FFF2-40B4-BE49-F238E27FC236}">
+                      <a16:creationId xmlns:a16="http://schemas.microsoft.com/office/drawing/2014/main" id="{1E5FD7A8-1960-37E1-78B9-F5F010EAF4BE}"/>
+                    </a:ext>
+                  </a:extLst>
+                </p:cNvPr>
+                <p:cNvSpPr/>
+                <p:nvPr/>
+              </p:nvSpPr>
+              <p:spPr>
+                <a:xfrm>
+                  <a:off x="9143884" y="3274562"/>
+                  <a:ext cx="1177200" cy="1428456"/>
+                </a:xfrm>
+                <a:prstGeom prst="roundRect">
+                  <a:avLst>
+                    <a:gd name="adj" fmla="val 9595"/>
+                  </a:avLst>
+                </a:prstGeom>
+                <a:solidFill>
+                  <a:schemeClr val="accent2">
+                    <a:lumMod val="20000"/>
+                    <a:lumOff val="80000"/>
+                  </a:schemeClr>
+                </a:solidFill>
+              </p:spPr>
+              <p:style>
+                <a:lnRef idx="2">
+                  <a:schemeClr val="accent1">
+                    <a:shade val="15000"/>
+                  </a:schemeClr>
+                </a:lnRef>
+                <a:fillRef idx="1">
+                  <a:schemeClr val="accent1"/>
+                </a:fillRef>
+                <a:effectRef idx="0">
+                  <a:schemeClr val="accent1"/>
+                </a:effectRef>
+                <a:fontRef idx="minor">
+                  <a:schemeClr val="lt1"/>
+                </a:fontRef>
+              </p:style>
+              <p:txBody>
+                <a:bodyPr rtlCol="0" anchor="ctr"/>
+                <a:lstStyle/>
+                <a:p>
+                  <a:pPr algn="ctr"/>
+                  <a:endParaRPr lang="zh-CN" altLang="en-US" sz="1600" dirty="0">
+                    <a:solidFill>
+                      <a:schemeClr val="tx1"/>
+                    </a:solidFill>
+                    <a:latin typeface="微软雅黑" panose="020B0503020204020204" pitchFamily="34" charset="-122"/>
+                    <a:ea typeface="微软雅黑" panose="020B0503020204020204" pitchFamily="34" charset="-122"/>
+                    <a:cs typeface="Times New Roman" panose="02020603050405020304" pitchFamily="18" charset="0"/>
+                  </a:endParaRPr>
+                </a:p>
+              </p:txBody>
+            </p:sp>
+            <p:sp>
+              <p:nvSpPr>
+                <p:cNvPr id="58" name="矩形: 圆角 57">
+                  <a:extLst>
+                    <a:ext uri="{FF2B5EF4-FFF2-40B4-BE49-F238E27FC236}">
+                      <a16:creationId xmlns:a16="http://schemas.microsoft.com/office/drawing/2014/main" id="{965E62BB-E255-85EE-F24A-04F2166B2AF9}"/>
+                    </a:ext>
+                  </a:extLst>
+                </p:cNvPr>
+                <p:cNvSpPr/>
+                <p:nvPr/>
+              </p:nvSpPr>
+              <p:spPr>
+                <a:xfrm>
+                  <a:off x="10905284" y="3273554"/>
+                  <a:ext cx="1177200" cy="1428456"/>
+                </a:xfrm>
+                <a:prstGeom prst="roundRect">
+                  <a:avLst>
+                    <a:gd name="adj" fmla="val 9595"/>
+                  </a:avLst>
+                </a:prstGeom>
+                <a:solidFill>
+                  <a:schemeClr val="accent2">
+                    <a:lumMod val="20000"/>
+                    <a:lumOff val="80000"/>
+                  </a:schemeClr>
+                </a:solidFill>
+              </p:spPr>
+              <p:style>
+                <a:lnRef idx="2">
+                  <a:schemeClr val="accent1">
+                    <a:shade val="15000"/>
+                  </a:schemeClr>
+                </a:lnRef>
+                <a:fillRef idx="1">
+                  <a:schemeClr val="accent1"/>
+                </a:fillRef>
+                <a:effectRef idx="0">
+                  <a:schemeClr val="accent1"/>
+                </a:effectRef>
+                <a:fontRef idx="minor">
+                  <a:schemeClr val="lt1"/>
+                </a:fontRef>
+              </p:style>
+              <p:txBody>
+                <a:bodyPr rtlCol="0" anchor="ctr"/>
+                <a:lstStyle/>
+                <a:p>
+                  <a:pPr algn="ctr"/>
+                  <a:endParaRPr lang="zh-CN" altLang="en-US" sz="1600" dirty="0">
+                    <a:solidFill>
+                      <a:schemeClr val="tx1"/>
+                    </a:solidFill>
+                    <a:latin typeface="微软雅黑" panose="020B0503020204020204" pitchFamily="34" charset="-122"/>
+                    <a:ea typeface="微软雅黑" panose="020B0503020204020204" pitchFamily="34" charset="-122"/>
+                    <a:cs typeface="Times New Roman" panose="02020603050405020304" pitchFamily="18" charset="0"/>
+                  </a:endParaRPr>
+                </a:p>
+              </p:txBody>
+            </p:sp>
+            <p:sp>
+              <p:nvSpPr>
+                <p:cNvPr id="60" name="文本框 59">
+                  <a:extLst>
+                    <a:ext uri="{FF2B5EF4-FFF2-40B4-BE49-F238E27FC236}">
+                      <a16:creationId xmlns:a16="http://schemas.microsoft.com/office/drawing/2014/main" id="{E0AEED24-DB53-F5C2-8A8C-495774D42747}"/>
+                    </a:ext>
+                  </a:extLst>
+                </p:cNvPr>
+                <p:cNvSpPr txBox="1"/>
+                <p:nvPr/>
+              </p:nvSpPr>
+              <p:spPr>
+                <a:xfrm>
+                  <a:off x="9312119" y="2944424"/>
+                  <a:ext cx="840730" cy="307777"/>
+                </a:xfrm>
+                <a:prstGeom prst="rect">
+                  <a:avLst/>
+                </a:prstGeom>
+                <a:noFill/>
+              </p:spPr>
+              <p:txBody>
+                <a:bodyPr wrap="square">
+                  <a:spAutoFit/>
+                </a:bodyPr>
+                <a:lstStyle/>
+                <a:p>
+                  <a:pPr algn="ctr"/>
+                  <a:r>
+                    <a:rPr lang="zh-CN" altLang="en-US" sz="1400" dirty="0">
+                      <a:solidFill>
+                        <a:schemeClr val="tx1">
+                          <a:lumMod val="95000"/>
+                          <a:lumOff val="5000"/>
+                        </a:schemeClr>
+                      </a:solidFill>
+                      <a:latin typeface="仿宋" panose="02010609060101010101" pitchFamily="49" charset="-122"/>
+                      <a:ea typeface="仿宋" panose="02010609060101010101" pitchFamily="49" charset="-122"/>
+                      <a:cs typeface="Times New Roman" panose="02020603050405020304" pitchFamily="18" charset="0"/>
+                    </a:rPr>
+                    <a:t>父</a:t>
+                  </a:r>
+                  <a:r>
+                    <a:rPr lang="en-US" altLang="zh-CN" sz="1400" dirty="0">
+                      <a:solidFill>
+                        <a:schemeClr val="tx1">
+                          <a:lumMod val="95000"/>
+                          <a:lumOff val="5000"/>
+                        </a:schemeClr>
+                      </a:solidFill>
+                      <a:latin typeface="仿宋" panose="02010609060101010101" pitchFamily="49" charset="-122"/>
+                      <a:ea typeface="仿宋" panose="02010609060101010101" pitchFamily="49" charset="-122"/>
+                      <a:cs typeface="Times New Roman" panose="02020603050405020304" pitchFamily="18" charset="0"/>
+                    </a:rPr>
+                    <a:t>HTTP</a:t>
+                  </a:r>
+                  <a:endParaRPr lang="zh-CN" altLang="en-US" sz="1400" dirty="0">
+                    <a:solidFill>
+                      <a:schemeClr val="tx1">
+                        <a:lumMod val="95000"/>
+                        <a:lumOff val="5000"/>
+                      </a:schemeClr>
+                    </a:solidFill>
+                    <a:latin typeface="仿宋" panose="02010609060101010101" pitchFamily="49" charset="-122"/>
+                    <a:ea typeface="仿宋" panose="02010609060101010101" pitchFamily="49" charset="-122"/>
+                    <a:cs typeface="Times New Roman" panose="02020603050405020304" pitchFamily="18" charset="0"/>
+                  </a:endParaRPr>
+                </a:p>
+              </p:txBody>
+            </p:sp>
+            <p:sp>
+              <p:nvSpPr>
+                <p:cNvPr id="67" name="文本框 66">
+                  <a:extLst>
+                    <a:ext uri="{FF2B5EF4-FFF2-40B4-BE49-F238E27FC236}">
+                      <a16:creationId xmlns:a16="http://schemas.microsoft.com/office/drawing/2014/main" id="{03D4B52C-D466-928C-B6D5-06646C430101}"/>
+                    </a:ext>
+                  </a:extLst>
+                </p:cNvPr>
+                <p:cNvSpPr txBox="1"/>
+                <p:nvPr/>
+              </p:nvSpPr>
+              <p:spPr>
+                <a:xfrm>
+                  <a:off x="11081529" y="2944424"/>
+                  <a:ext cx="824710" cy="307777"/>
+                </a:xfrm>
+                <a:prstGeom prst="rect">
+                  <a:avLst/>
+                </a:prstGeom>
+                <a:noFill/>
+              </p:spPr>
+              <p:txBody>
+                <a:bodyPr wrap="square">
+                  <a:spAutoFit/>
+                </a:bodyPr>
+                <a:lstStyle/>
+                <a:p>
+                  <a:pPr algn="ctr"/>
+                  <a:r>
+                    <a:rPr lang="zh-CN" altLang="en-US" sz="1400" dirty="0">
+                      <a:solidFill>
+                        <a:schemeClr val="tx1">
+                          <a:lumMod val="95000"/>
+                          <a:lumOff val="5000"/>
+                        </a:schemeClr>
+                      </a:solidFill>
+                      <a:latin typeface="仿宋" panose="02010609060101010101" pitchFamily="49" charset="-122"/>
+                      <a:ea typeface="仿宋" panose="02010609060101010101" pitchFamily="49" charset="-122"/>
+                      <a:cs typeface="Times New Roman" panose="02020603050405020304" pitchFamily="18" charset="0"/>
+                    </a:rPr>
+                    <a:t>子</a:t>
+                  </a:r>
+                  <a:r>
+                    <a:rPr lang="en-US" altLang="zh-CN" sz="1400" dirty="0">
+                      <a:solidFill>
+                        <a:schemeClr val="tx1">
+                          <a:lumMod val="95000"/>
+                          <a:lumOff val="5000"/>
+                        </a:schemeClr>
+                      </a:solidFill>
+                      <a:latin typeface="仿宋" panose="02010609060101010101" pitchFamily="49" charset="-122"/>
+                      <a:ea typeface="仿宋" panose="02010609060101010101" pitchFamily="49" charset="-122"/>
+                      <a:cs typeface="Times New Roman" panose="02020603050405020304" pitchFamily="18" charset="0"/>
+                    </a:rPr>
+                    <a:t>CGI</a:t>
+                  </a:r>
+                  <a:endParaRPr lang="zh-CN" altLang="en-US" sz="1400" dirty="0">
+                    <a:solidFill>
+                      <a:schemeClr val="tx1">
+                        <a:lumMod val="95000"/>
+                        <a:lumOff val="5000"/>
+                      </a:schemeClr>
+                    </a:solidFill>
+                    <a:latin typeface="仿宋" panose="02010609060101010101" pitchFamily="49" charset="-122"/>
+                    <a:ea typeface="仿宋" panose="02010609060101010101" pitchFamily="49" charset="-122"/>
+                    <a:cs typeface="Times New Roman" panose="02020603050405020304" pitchFamily="18" charset="0"/>
+                  </a:endParaRPr>
+                </a:p>
+              </p:txBody>
+            </p:sp>
+            <p:cxnSp>
+              <p:nvCxnSpPr>
+                <p:cNvPr id="69" name="直接连接符 68">
+                  <a:extLst>
+                    <a:ext uri="{FF2B5EF4-FFF2-40B4-BE49-F238E27FC236}">
+                      <a16:creationId xmlns:a16="http://schemas.microsoft.com/office/drawing/2014/main" id="{74CF3A87-3CFF-4110-921E-B35115069F79}"/>
+                    </a:ext>
+                  </a:extLst>
+                </p:cNvPr>
+                <p:cNvCxnSpPr>
+                  <a:cxnSpLocks/>
+                  <a:stCxn id="60" idx="3"/>
+                  <a:endCxn id="67" idx="1"/>
+                </p:cNvCxnSpPr>
+                <p:nvPr/>
+              </p:nvCxnSpPr>
+              <p:spPr>
+                <a:xfrm>
+                  <a:off x="10152849" y="3098313"/>
+                  <a:ext cx="928680" cy="0"/>
+                </a:xfrm>
+                <a:prstGeom prst="line">
+                  <a:avLst/>
+                </a:prstGeom>
+                <a:ln w="38100"/>
+              </p:spPr>
+              <p:style>
+                <a:lnRef idx="1">
+                  <a:schemeClr val="accent1"/>
+                </a:lnRef>
+                <a:fillRef idx="0">
+                  <a:schemeClr val="accent1"/>
+                </a:fillRef>
+                <a:effectRef idx="0">
+                  <a:schemeClr val="accent1"/>
+                </a:effectRef>
+                <a:fontRef idx="minor">
+                  <a:schemeClr val="tx1"/>
+                </a:fontRef>
+              </p:style>
+            </p:cxnSp>
+            <p:cxnSp>
+              <p:nvCxnSpPr>
+                <p:cNvPr id="73" name="直接连接符 72">
+                  <a:extLst>
+                    <a:ext uri="{FF2B5EF4-FFF2-40B4-BE49-F238E27FC236}">
+                      <a16:creationId xmlns:a16="http://schemas.microsoft.com/office/drawing/2014/main" id="{6A313D82-4BBC-B023-BACD-989C48BA76DE}"/>
+                    </a:ext>
+                  </a:extLst>
+                </p:cNvPr>
+                <p:cNvCxnSpPr>
+                  <a:cxnSpLocks/>
+                  <a:stCxn id="31" idx="2"/>
+                </p:cNvCxnSpPr>
+                <p:nvPr/>
+              </p:nvCxnSpPr>
+              <p:spPr>
+                <a:xfrm>
+                  <a:off x="10624770" y="2667028"/>
+                  <a:ext cx="0" cy="430330"/>
+                </a:xfrm>
+                <a:prstGeom prst="line">
+                  <a:avLst/>
+                </a:prstGeom>
+                <a:ln w="38100"/>
+              </p:spPr>
+              <p:style>
+                <a:lnRef idx="1">
+                  <a:schemeClr val="accent1"/>
+                </a:lnRef>
+                <a:fillRef idx="0">
+                  <a:schemeClr val="accent1"/>
+                </a:fillRef>
+                <a:effectRef idx="0">
+                  <a:schemeClr val="accent1"/>
+                </a:effectRef>
+                <a:fontRef idx="minor">
+                  <a:schemeClr val="tx1"/>
+                </a:fontRef>
+              </p:style>
+            </p:cxnSp>
+            <p:sp>
+              <p:nvSpPr>
+                <p:cNvPr id="76" name="文本框 75">
+                  <a:extLst>
+                    <a:ext uri="{FF2B5EF4-FFF2-40B4-BE49-F238E27FC236}">
+                      <a16:creationId xmlns:a16="http://schemas.microsoft.com/office/drawing/2014/main" id="{F6F185C9-FB17-AD6D-BA4E-1F73F31470CC}"/>
+                    </a:ext>
+                  </a:extLst>
+                </p:cNvPr>
+                <p:cNvSpPr txBox="1"/>
+                <p:nvPr/>
+              </p:nvSpPr>
+              <p:spPr>
+                <a:xfrm>
+                  <a:off x="10384320" y="2820681"/>
+                  <a:ext cx="824710" cy="261610"/>
+                </a:xfrm>
+                <a:prstGeom prst="rect">
+                  <a:avLst/>
+                </a:prstGeom>
+                <a:noFill/>
+              </p:spPr>
+              <p:txBody>
+                <a:bodyPr wrap="square">
+                  <a:spAutoFit/>
+                </a:bodyPr>
+                <a:lstStyle/>
+                <a:p>
+                  <a:pPr algn="ctr"/>
+                  <a:r>
+                    <a:rPr lang="en-US" altLang="zh-CN" sz="1100" dirty="0">
+                      <a:solidFill>
+                        <a:srgbClr val="FF0000"/>
+                      </a:solidFill>
+                      <a:latin typeface="Times New Roman" panose="02020603050405020304" pitchFamily="18" charset="0"/>
+                      <a:cs typeface="Times New Roman" panose="02020603050405020304" pitchFamily="18" charset="0"/>
+                    </a:rPr>
+                    <a:t>fork</a:t>
+                  </a:r>
+                  <a:endParaRPr lang="zh-CN" altLang="en-US" sz="1100" dirty="0">
+                    <a:solidFill>
+                      <a:srgbClr val="FF0000"/>
+                    </a:solidFill>
+                    <a:latin typeface="Times New Roman" panose="02020603050405020304" pitchFamily="18" charset="0"/>
+                    <a:cs typeface="Times New Roman" panose="02020603050405020304" pitchFamily="18" charset="0"/>
+                  </a:endParaRPr>
+                </a:p>
+              </p:txBody>
+            </p:sp>
+            <p:sp>
+              <p:nvSpPr>
+                <p:cNvPr id="77" name="箭头: 右 76">
+                  <a:extLst>
+                    <a:ext uri="{FF2B5EF4-FFF2-40B4-BE49-F238E27FC236}">
+                      <a16:creationId xmlns:a16="http://schemas.microsoft.com/office/drawing/2014/main" id="{C9A94E9F-746A-02A3-5A5A-00CE41715C26}"/>
+                    </a:ext>
+                  </a:extLst>
+                </p:cNvPr>
+                <p:cNvSpPr/>
+                <p:nvPr/>
+              </p:nvSpPr>
+              <p:spPr>
+                <a:xfrm>
+                  <a:off x="10321084" y="3657940"/>
+                  <a:ext cx="584200" cy="104400"/>
+                </a:xfrm>
+                <a:prstGeom prst="rightArrow">
+                  <a:avLst/>
+                </a:prstGeom>
+                <a:solidFill>
+                  <a:srgbClr val="FF9896"/>
+                </a:solidFill>
+              </p:spPr>
+              <p:style>
+                <a:lnRef idx="2">
+                  <a:schemeClr val="accent1">
+                    <a:shade val="15000"/>
+                  </a:schemeClr>
+                </a:lnRef>
+                <a:fillRef idx="1">
+                  <a:schemeClr val="accent1"/>
+                </a:fillRef>
+                <a:effectRef idx="0">
+                  <a:schemeClr val="accent1"/>
+                </a:effectRef>
+                <a:fontRef idx="minor">
+                  <a:schemeClr val="lt1"/>
+                </a:fontRef>
+              </p:style>
+              <p:txBody>
+                <a:bodyPr rtlCol="0" anchor="ctr"/>
+                <a:lstStyle/>
+                <a:p>
+                  <a:pPr algn="ctr"/>
+                  <a:endParaRPr lang="zh-CN" altLang="en-US"/>
+                </a:p>
+              </p:txBody>
+            </p:sp>
+            <p:sp>
+              <p:nvSpPr>
+                <p:cNvPr id="78" name="文本框 77">
+                  <a:extLst>
+                    <a:ext uri="{FF2B5EF4-FFF2-40B4-BE49-F238E27FC236}">
+                      <a16:creationId xmlns:a16="http://schemas.microsoft.com/office/drawing/2014/main" id="{82F73789-6B86-4025-56FB-A284FA123D05}"/>
+                    </a:ext>
+                  </a:extLst>
+                </p:cNvPr>
+                <p:cNvSpPr txBox="1"/>
+                <p:nvPr/>
+              </p:nvSpPr>
+              <p:spPr>
+                <a:xfrm>
+                  <a:off x="10209156" y="3434390"/>
+                  <a:ext cx="824710" cy="261610"/>
+                </a:xfrm>
+                <a:prstGeom prst="rect">
+                  <a:avLst/>
+                </a:prstGeom>
+                <a:noFill/>
+              </p:spPr>
+              <p:txBody>
+                <a:bodyPr wrap="square">
+                  <a:spAutoFit/>
+                </a:bodyPr>
+                <a:lstStyle/>
+                <a:p>
+                  <a:pPr algn="ctr"/>
+                  <a:r>
+                    <a:rPr lang="zh-CN" altLang="en-US" sz="1100" dirty="0">
+                      <a:solidFill>
+                        <a:schemeClr val="tx1">
+                          <a:lumMod val="95000"/>
+                          <a:lumOff val="5000"/>
+                        </a:schemeClr>
+                      </a:solidFill>
+                      <a:latin typeface="Times New Roman" panose="02020603050405020304" pitchFamily="18" charset="0"/>
+                      <a:cs typeface="Times New Roman" panose="02020603050405020304" pitchFamily="18" charset="0"/>
+                    </a:rPr>
+                    <a:t>数据</a:t>
+                  </a:r>
+                </a:p>
+              </p:txBody>
+            </p:sp>
+            <p:sp>
+              <p:nvSpPr>
+                <p:cNvPr id="79" name="箭头: 右 78">
+                  <a:extLst>
+                    <a:ext uri="{FF2B5EF4-FFF2-40B4-BE49-F238E27FC236}">
+                      <a16:creationId xmlns:a16="http://schemas.microsoft.com/office/drawing/2014/main" id="{609A8948-0F05-C48E-8465-BA73B587D4E2}"/>
+                    </a:ext>
+                  </a:extLst>
+                </p:cNvPr>
+                <p:cNvSpPr/>
+                <p:nvPr/>
+              </p:nvSpPr>
+              <p:spPr>
+                <a:xfrm rot="10800000">
+                  <a:off x="10321084" y="4127775"/>
+                  <a:ext cx="584200" cy="104400"/>
+                </a:xfrm>
+                <a:prstGeom prst="rightArrow">
+                  <a:avLst/>
+                </a:prstGeom>
+                <a:solidFill>
+                  <a:srgbClr val="427AB2"/>
+                </a:solidFill>
+              </p:spPr>
+              <p:style>
+                <a:lnRef idx="2">
+                  <a:schemeClr val="accent1">
+                    <a:shade val="15000"/>
+                  </a:schemeClr>
+                </a:lnRef>
+                <a:fillRef idx="1">
+                  <a:schemeClr val="accent1"/>
+                </a:fillRef>
+                <a:effectRef idx="0">
+                  <a:schemeClr val="accent1"/>
+                </a:effectRef>
+                <a:fontRef idx="minor">
+                  <a:schemeClr val="lt1"/>
+                </a:fontRef>
+              </p:style>
+              <p:txBody>
+                <a:bodyPr rtlCol="0" anchor="ctr"/>
+                <a:lstStyle/>
+                <a:p>
+                  <a:pPr algn="ctr"/>
+                  <a:endParaRPr lang="zh-CN" altLang="en-US"/>
+                </a:p>
+              </p:txBody>
+            </p:sp>
+            <p:sp>
+              <p:nvSpPr>
+                <p:cNvPr id="80" name="文本框 79">
+                  <a:extLst>
+                    <a:ext uri="{FF2B5EF4-FFF2-40B4-BE49-F238E27FC236}">
+                      <a16:creationId xmlns:a16="http://schemas.microsoft.com/office/drawing/2014/main" id="{A820A221-F386-19AA-6337-6402CF04846E}"/>
+                    </a:ext>
+                  </a:extLst>
+                </p:cNvPr>
+                <p:cNvSpPr txBox="1"/>
+                <p:nvPr/>
+              </p:nvSpPr>
+              <p:spPr>
+                <a:xfrm>
+                  <a:off x="10200829" y="4212713"/>
+                  <a:ext cx="824710" cy="261610"/>
+                </a:xfrm>
+                <a:prstGeom prst="rect">
+                  <a:avLst/>
+                </a:prstGeom>
+                <a:noFill/>
+              </p:spPr>
+              <p:txBody>
+                <a:bodyPr wrap="square">
+                  <a:spAutoFit/>
+                </a:bodyPr>
+                <a:lstStyle/>
+                <a:p>
+                  <a:pPr algn="ctr"/>
+                  <a:r>
+                    <a:rPr lang="zh-CN" altLang="en-US" sz="1100" dirty="0">
+                      <a:solidFill>
+                        <a:schemeClr val="tx1">
+                          <a:lumMod val="95000"/>
+                          <a:lumOff val="5000"/>
+                        </a:schemeClr>
+                      </a:solidFill>
+                      <a:latin typeface="Times New Roman" panose="02020603050405020304" pitchFamily="18" charset="0"/>
+                      <a:cs typeface="Times New Roman" panose="02020603050405020304" pitchFamily="18" charset="0"/>
+                    </a:rPr>
+                    <a:t>结果</a:t>
+                  </a:r>
+                </a:p>
+              </p:txBody>
+            </p:sp>
+            <p:sp>
+              <p:nvSpPr>
+                <p:cNvPr id="82" name="流程图: 过程 81">
+                  <a:extLst>
+                    <a:ext uri="{FF2B5EF4-FFF2-40B4-BE49-F238E27FC236}">
+                      <a16:creationId xmlns:a16="http://schemas.microsoft.com/office/drawing/2014/main" id="{C8523D12-945F-E647-D23A-60630ECF351F}"/>
+                    </a:ext>
+                  </a:extLst>
+                </p:cNvPr>
+                <p:cNvSpPr/>
+                <p:nvPr/>
+              </p:nvSpPr>
+              <p:spPr>
+                <a:xfrm>
+                  <a:off x="5999271" y="4242050"/>
+                  <a:ext cx="2350636" cy="464546"/>
+                </a:xfrm>
+                <a:prstGeom prst="flowChartProcess">
+                  <a:avLst/>
+                </a:prstGeom>
+                <a:solidFill>
+                  <a:srgbClr val="FFF8E1"/>
+                </a:solidFill>
+              </p:spPr>
+              <p:style>
+                <a:lnRef idx="2">
+                  <a:schemeClr val="accent1">
+                    <a:shade val="15000"/>
+                  </a:schemeClr>
+                </a:lnRef>
+                <a:fillRef idx="1">
+                  <a:schemeClr val="accent1"/>
+                </a:fillRef>
+                <a:effectRef idx="0">
+                  <a:schemeClr val="accent1"/>
+                </a:effectRef>
+                <a:fontRef idx="minor">
+                  <a:schemeClr val="lt1"/>
+                </a:fontRef>
+              </p:style>
+              <p:txBody>
+                <a:bodyPr rtlCol="0" anchor="ctr"/>
+                <a:lstStyle/>
+                <a:p>
+                  <a:pPr algn="ctr"/>
+                  <a:r>
+                    <a:rPr lang="zh-CN" altLang="en-US" sz="1600" dirty="0">
+                      <a:solidFill>
+                        <a:schemeClr val="tx1">
+                          <a:lumMod val="95000"/>
+                          <a:lumOff val="5000"/>
+                        </a:schemeClr>
+                      </a:solidFill>
+                      <a:latin typeface="仿宋" panose="02010609060101010101" pitchFamily="49" charset="-122"/>
+                      <a:ea typeface="仿宋" panose="02010609060101010101" pitchFamily="49" charset="-122"/>
+                    </a:rPr>
+                    <a:t>构建响应，返回</a:t>
+                  </a:r>
+                </a:p>
+              </p:txBody>
+            </p:sp>
+            <p:sp>
+              <p:nvSpPr>
+                <p:cNvPr id="84" name="文本框 83">
+                  <a:extLst>
+                    <a:ext uri="{FF2B5EF4-FFF2-40B4-BE49-F238E27FC236}">
+                      <a16:creationId xmlns:a16="http://schemas.microsoft.com/office/drawing/2014/main" id="{FB9FD06F-65AA-28CA-EABF-7637D230C3F5}"/>
+                    </a:ext>
+                  </a:extLst>
+                </p:cNvPr>
+                <p:cNvSpPr txBox="1"/>
+                <p:nvPr/>
+              </p:nvSpPr>
+              <p:spPr>
+                <a:xfrm>
+                  <a:off x="7369165" y="3857678"/>
+                  <a:ext cx="451481" cy="307777"/>
+                </a:xfrm>
+                <a:prstGeom prst="rect">
+                  <a:avLst/>
+                </a:prstGeom>
+                <a:noFill/>
+              </p:spPr>
+              <p:txBody>
+                <a:bodyPr wrap="square">
+                  <a:spAutoFit/>
+                </a:bodyPr>
+                <a:lstStyle/>
+                <a:p>
+                  <a:pPr algn="ctr"/>
+                  <a:r>
+                    <a:rPr lang="en-US" altLang="zh-CN" sz="1400" dirty="0">
+                      <a:solidFill>
+                        <a:schemeClr val="tx1">
+                          <a:lumMod val="95000"/>
+                          <a:lumOff val="5000"/>
+                        </a:schemeClr>
+                      </a:solidFill>
+                      <a:latin typeface="Times New Roman" panose="02020603050405020304" pitchFamily="18" charset="0"/>
+                      <a:cs typeface="Times New Roman" panose="02020603050405020304" pitchFamily="18" charset="0"/>
+                    </a:rPr>
+                    <a:t>NO</a:t>
+                  </a:r>
+                  <a:endParaRPr lang="zh-CN" altLang="en-US" sz="1400" dirty="0">
                     <a:solidFill>
                       <a:schemeClr val="tx1">
                         <a:lumMod val="95000"/>
@@ -30184,11 +30535,53 @@
                     </a:solidFill>
                     <a:latin typeface="Times New Roman" panose="02020603050405020304" pitchFamily="18" charset="0"/>
                     <a:cs typeface="Times New Roman" panose="02020603050405020304" pitchFamily="18" charset="0"/>
-                  </a:rPr>
-                  <a:t>父</a:t>
-                </a:r>
-                <a:r>
-                  <a:rPr lang="en-US" altLang="zh-CN" sz="1400" dirty="0">
+                  </a:endParaRPr>
+                </a:p>
+              </p:txBody>
+            </p:sp>
+            <p:sp>
+              <p:nvSpPr>
+                <p:cNvPr id="85" name="文本框 84">
+                  <a:extLst>
+                    <a:ext uri="{FF2B5EF4-FFF2-40B4-BE49-F238E27FC236}">
+                      <a16:creationId xmlns:a16="http://schemas.microsoft.com/office/drawing/2014/main" id="{0B8F0B2A-E3AA-FAD5-0992-37B9A790A41E}"/>
+                    </a:ext>
+                  </a:extLst>
+                </p:cNvPr>
+                <p:cNvSpPr txBox="1"/>
+                <p:nvPr/>
+              </p:nvSpPr>
+              <p:spPr>
+                <a:xfrm>
+                  <a:off x="7886309" y="2824298"/>
+                  <a:ext cx="1344588" cy="307777"/>
+                </a:xfrm>
+                <a:prstGeom prst="rect">
+                  <a:avLst/>
+                </a:prstGeom>
+                <a:noFill/>
+              </p:spPr>
+              <p:txBody>
+                <a:bodyPr wrap="square">
+                  <a:spAutoFit/>
+                </a:bodyPr>
+                <a:lstStyle/>
+                <a:p>
+                  <a:pPr algn="ctr"/>
+                  <a:r>
+                    <a:rPr lang="en-US" altLang="zh-CN" sz="1400" dirty="0">
+                      <a:solidFill>
+                        <a:schemeClr val="tx1">
+                          <a:lumMod val="95000"/>
+                          <a:lumOff val="5000"/>
+                        </a:schemeClr>
+                      </a:solidFill>
+                      <a:latin typeface="Times New Roman" panose="02020603050405020304" pitchFamily="18" charset="0"/>
+                      <a:cs typeface="Times New Roman" panose="02020603050405020304" pitchFamily="18" charset="0"/>
+                    </a:rPr>
+                    <a:t>YES</a:t>
+                  </a:r>
+                  <a:endParaRPr lang="zh-CN" altLang="en-US" sz="1400" dirty="0">
                     <a:solidFill>
                       <a:schemeClr val="tx1">
                         <a:lumMod val="95000"/>
@@ -30197,53 +30590,53 @@
                     </a:solidFill>
                     <a:latin typeface="Times New Roman" panose="02020603050405020304" pitchFamily="18" charset="0"/>
                     <a:cs typeface="Times New Roman" panose="02020603050405020304" pitchFamily="18" charset="0"/>
-                  </a:rPr>
-                  <a:t>HTTP</a:t>
-                </a:r>
-                <a:endParaRPr lang="zh-CN" altLang="en-US" sz="1400" dirty="0">
-                  <a:solidFill>
-                    <a:schemeClr val="tx1">
-                      <a:lumMod val="95000"/>
-                      <a:lumOff val="5000"/>
-                    </a:schemeClr>
-                  </a:solidFill>
-                  <a:latin typeface="Times New Roman" panose="02020603050405020304" pitchFamily="18" charset="0"/>
-                  <a:cs typeface="Times New Roman" panose="02020603050405020304" pitchFamily="18" charset="0"/>
-                </a:endParaRPr>
-              </a:p>
-            </p:txBody>
-          </p:sp>
-          <p:sp>
-            <p:nvSpPr>
-              <p:cNvPr id="67" name="文本框 66">
-                <a:extLst>
-                  <a:ext uri="{FF2B5EF4-FFF2-40B4-BE49-F238E27FC236}">
-                    <a16:creationId xmlns:a16="http://schemas.microsoft.com/office/drawing/2014/main" id="{03D4B52C-D466-928C-B6D5-06646C430101}"/>
-                  </a:ext>
-                </a:extLst>
-              </p:cNvPr>
-              <p:cNvSpPr txBox="1"/>
-              <p:nvPr/>
-            </p:nvSpPr>
-            <p:spPr>
-              <a:xfrm>
-                <a:off x="11081529" y="2944424"/>
-                <a:ext cx="824710" cy="307777"/>
-              </a:xfrm>
-              <a:prstGeom prst="rect">
-                <a:avLst/>
-              </a:prstGeom>
-              <a:noFill/>
-            </p:spPr>
-            <p:txBody>
-              <a:bodyPr wrap="square">
-                <a:spAutoFit/>
-              </a:bodyPr>
-              <a:lstStyle/>
-              <a:p>
-                <a:pPr algn="ctr"/>
-                <a:r>
-                  <a:rPr lang="zh-CN" altLang="en-US" sz="1400" dirty="0">
+                  </a:endParaRPr>
+                </a:p>
+              </p:txBody>
+            </p:sp>
+            <p:sp>
+              <p:nvSpPr>
+                <p:cNvPr id="88" name="文本框 87">
+                  <a:extLst>
+                    <a:ext uri="{FF2B5EF4-FFF2-40B4-BE49-F238E27FC236}">
+                      <a16:creationId xmlns:a16="http://schemas.microsoft.com/office/drawing/2014/main" id="{414D168F-43C3-A4D0-0B8B-C529A3F24D21}"/>
+                    </a:ext>
+                  </a:extLst>
+                </p:cNvPr>
+                <p:cNvSpPr txBox="1"/>
+                <p:nvPr/>
+              </p:nvSpPr>
+              <p:spPr>
+                <a:xfrm>
+                  <a:off x="3834660" y="4089951"/>
+                  <a:ext cx="1564504" cy="307777"/>
+                </a:xfrm>
+                <a:prstGeom prst="rect">
+                  <a:avLst/>
+                </a:prstGeom>
+                <a:noFill/>
+              </p:spPr>
+              <p:txBody>
+                <a:bodyPr wrap="square">
+                  <a:spAutoFit/>
+                </a:bodyPr>
+                <a:lstStyle/>
+                <a:p>
+                  <a:pPr algn="ctr"/>
+                  <a:r>
+                    <a:rPr lang="en-US" altLang="zh-CN" sz="1400" dirty="0">
+                      <a:solidFill>
+                        <a:schemeClr val="tx1">
+                          <a:lumMod val="95000"/>
+                          <a:lumOff val="5000"/>
+                        </a:schemeClr>
+                      </a:solidFill>
+                      <a:latin typeface="Times New Roman" panose="02020603050405020304" pitchFamily="18" charset="0"/>
+                      <a:cs typeface="Times New Roman" panose="02020603050405020304" pitchFamily="18" charset="0"/>
+                    </a:rPr>
+                    <a:t>HTTP Response</a:t>
+                  </a:r>
+                  <a:endParaRPr lang="zh-CN" altLang="en-US" sz="1400" dirty="0">
                     <a:solidFill>
                       <a:schemeClr val="tx1">
                         <a:lumMod val="95000"/>
@@ -30252,11 +30645,63 @@
                     </a:solidFill>
                     <a:latin typeface="Times New Roman" panose="02020603050405020304" pitchFamily="18" charset="0"/>
                     <a:cs typeface="Times New Roman" panose="02020603050405020304" pitchFamily="18" charset="0"/>
-                  </a:rPr>
-                  <a:t>子</a:t>
-                </a:r>
-                <a:r>
-                  <a:rPr lang="en-US" altLang="zh-CN" sz="1400" dirty="0">
+                  </a:endParaRPr>
+                </a:p>
+              </p:txBody>
+            </p:sp>
+            <p:sp>
+              <p:nvSpPr>
+                <p:cNvPr id="89" name="文本框 88">
+                  <a:extLst>
+                    <a:ext uri="{FF2B5EF4-FFF2-40B4-BE49-F238E27FC236}">
+                      <a16:creationId xmlns:a16="http://schemas.microsoft.com/office/drawing/2014/main" id="{F04E9251-F88B-5A0E-DD54-CA69D3E51A2E}"/>
+                    </a:ext>
+                  </a:extLst>
+                </p:cNvPr>
+                <p:cNvSpPr txBox="1"/>
+                <p:nvPr/>
+              </p:nvSpPr>
+              <p:spPr>
+                <a:xfrm>
+                  <a:off x="3623325" y="4766142"/>
+                  <a:ext cx="1996232" cy="307777"/>
+                </a:xfrm>
+                <a:prstGeom prst="rect">
+                  <a:avLst/>
+                </a:prstGeom>
+                <a:noFill/>
+              </p:spPr>
+              <p:txBody>
+                <a:bodyPr wrap="square">
+                  <a:spAutoFit/>
+                </a:bodyPr>
+                <a:lstStyle/>
+                <a:p>
+                  <a:pPr algn="ctr"/>
+                  <a:r>
+                    <a:rPr lang="en-US" altLang="zh-CN" sz="1400" dirty="0">
+                      <a:solidFill>
+                        <a:srgbClr val="FF0000"/>
+                      </a:solidFill>
+                      <a:latin typeface="Times New Roman" panose="02020603050405020304" pitchFamily="18" charset="0"/>
+                      <a:cs typeface="Times New Roman" panose="02020603050405020304" pitchFamily="18" charset="0"/>
+                    </a:rPr>
+                    <a:t>CGI</a:t>
+                  </a:r>
+                  <a:r>
+                    <a:rPr lang="en-US" altLang="zh-CN" sz="1400" dirty="0">
+                      <a:solidFill>
+                        <a:schemeClr val="tx1">
+                          <a:lumMod val="95000"/>
+                          <a:lumOff val="5000"/>
+                        </a:schemeClr>
+                      </a:solidFill>
+                      <a:latin typeface="Times New Roman" panose="02020603050405020304" pitchFamily="18" charset="0"/>
+                      <a:cs typeface="Times New Roman" panose="02020603050405020304" pitchFamily="18" charset="0"/>
+                    </a:rPr>
+                    <a:t> HTTP Response</a:t>
+                  </a:r>
+                  <a:endParaRPr lang="zh-CN" altLang="en-US" sz="1400" dirty="0">
                     <a:solidFill>
                       <a:schemeClr val="tx1">
                         <a:lumMod val="95000"/>
@@ -30265,872 +30710,418 @@
                     </a:solidFill>
                     <a:latin typeface="Times New Roman" panose="02020603050405020304" pitchFamily="18" charset="0"/>
                     <a:cs typeface="Times New Roman" panose="02020603050405020304" pitchFamily="18" charset="0"/>
-                  </a:rPr>
-                  <a:t>CGI</a:t>
-                </a:r>
-                <a:endParaRPr lang="zh-CN" altLang="en-US" sz="1400" dirty="0">
-                  <a:solidFill>
-                    <a:schemeClr val="tx1">
-                      <a:lumMod val="95000"/>
-                      <a:lumOff val="5000"/>
-                    </a:schemeClr>
-                  </a:solidFill>
-                  <a:latin typeface="Times New Roman" panose="02020603050405020304" pitchFamily="18" charset="0"/>
-                  <a:cs typeface="Times New Roman" panose="02020603050405020304" pitchFamily="18" charset="0"/>
-                </a:endParaRPr>
-              </a:p>
-            </p:txBody>
-          </p:sp>
-          <p:cxnSp>
-            <p:nvCxnSpPr>
-              <p:cNvPr id="69" name="直接连接符 68">
-                <a:extLst>
-                  <a:ext uri="{FF2B5EF4-FFF2-40B4-BE49-F238E27FC236}">
-                    <a16:creationId xmlns:a16="http://schemas.microsoft.com/office/drawing/2014/main" id="{74CF3A87-3CFF-4110-921E-B35115069F79}"/>
-                  </a:ext>
-                </a:extLst>
-              </p:cNvPr>
-              <p:cNvCxnSpPr>
-                <a:cxnSpLocks/>
-                <a:stCxn id="60" idx="3"/>
-                <a:endCxn id="67" idx="1"/>
-              </p:cNvCxnSpPr>
-              <p:nvPr/>
-            </p:nvCxnSpPr>
-            <p:spPr>
-              <a:xfrm>
-                <a:off x="10152849" y="3098313"/>
-                <a:ext cx="928680" cy="0"/>
-              </a:xfrm>
-              <a:prstGeom prst="line">
-                <a:avLst/>
-              </a:prstGeom>
-              <a:ln w="38100"/>
-            </p:spPr>
-            <p:style>
-              <a:lnRef idx="1">
-                <a:schemeClr val="accent1"/>
-              </a:lnRef>
-              <a:fillRef idx="0">
-                <a:schemeClr val="accent1"/>
-              </a:fillRef>
-              <a:effectRef idx="0">
-                <a:schemeClr val="accent1"/>
-              </a:effectRef>
-              <a:fontRef idx="minor">
-                <a:schemeClr val="tx1"/>
-              </a:fontRef>
-            </p:style>
-          </p:cxnSp>
-          <p:cxnSp>
-            <p:nvCxnSpPr>
-              <p:cNvPr id="73" name="直接连接符 72">
-                <a:extLst>
-                  <a:ext uri="{FF2B5EF4-FFF2-40B4-BE49-F238E27FC236}">
-                    <a16:creationId xmlns:a16="http://schemas.microsoft.com/office/drawing/2014/main" id="{6A313D82-4BBC-B023-BACD-989C48BA76DE}"/>
-                  </a:ext>
-                </a:extLst>
-              </p:cNvPr>
-              <p:cNvCxnSpPr>
-                <a:cxnSpLocks/>
-                <a:stCxn id="31" idx="2"/>
-              </p:cNvCxnSpPr>
-              <p:nvPr/>
-            </p:nvCxnSpPr>
-            <p:spPr>
-              <a:xfrm>
-                <a:off x="10600182" y="2667982"/>
-                <a:ext cx="0" cy="430330"/>
-              </a:xfrm>
-              <a:prstGeom prst="line">
-                <a:avLst/>
-              </a:prstGeom>
-              <a:ln w="38100"/>
-            </p:spPr>
-            <p:style>
-              <a:lnRef idx="1">
-                <a:schemeClr val="accent1"/>
-              </a:lnRef>
-              <a:fillRef idx="0">
-                <a:schemeClr val="accent1"/>
-              </a:fillRef>
-              <a:effectRef idx="0">
-                <a:schemeClr val="accent1"/>
-              </a:effectRef>
-              <a:fontRef idx="minor">
-                <a:schemeClr val="tx1"/>
-              </a:fontRef>
-            </p:style>
-          </p:cxnSp>
-          <p:sp>
-            <p:nvSpPr>
-              <p:cNvPr id="76" name="文本框 75">
-                <a:extLst>
-                  <a:ext uri="{FF2B5EF4-FFF2-40B4-BE49-F238E27FC236}">
-                    <a16:creationId xmlns:a16="http://schemas.microsoft.com/office/drawing/2014/main" id="{F6F185C9-FB17-AD6D-BA4E-1F73F31470CC}"/>
-                  </a:ext>
-                </a:extLst>
-              </p:cNvPr>
-              <p:cNvSpPr txBox="1"/>
-              <p:nvPr/>
-            </p:nvSpPr>
-            <p:spPr>
-              <a:xfrm>
-                <a:off x="10384320" y="2820681"/>
-                <a:ext cx="824710" cy="261610"/>
-              </a:xfrm>
-              <a:prstGeom prst="rect">
-                <a:avLst/>
-              </a:prstGeom>
-              <a:noFill/>
-            </p:spPr>
-            <p:txBody>
-              <a:bodyPr wrap="square">
-                <a:spAutoFit/>
-              </a:bodyPr>
-              <a:lstStyle/>
-              <a:p>
-                <a:pPr algn="ctr"/>
-                <a:r>
-                  <a:rPr lang="en-US" altLang="zh-CN" sz="1100" dirty="0">
-                    <a:solidFill>
-                      <a:srgbClr val="FF0000"/>
-                    </a:solidFill>
-                    <a:latin typeface="Times New Roman" panose="02020603050405020304" pitchFamily="18" charset="0"/>
-                    <a:cs typeface="Times New Roman" panose="02020603050405020304" pitchFamily="18" charset="0"/>
-                  </a:rPr>
-                  <a:t>fork</a:t>
-                </a:r>
-                <a:endParaRPr lang="zh-CN" altLang="en-US" sz="1100" dirty="0">
-                  <a:solidFill>
-                    <a:srgbClr val="FF0000"/>
-                  </a:solidFill>
-                  <a:latin typeface="Times New Roman" panose="02020603050405020304" pitchFamily="18" charset="0"/>
-                  <a:cs typeface="Times New Roman" panose="02020603050405020304" pitchFamily="18" charset="0"/>
-                </a:endParaRPr>
-              </a:p>
-            </p:txBody>
-          </p:sp>
-          <p:sp>
-            <p:nvSpPr>
-              <p:cNvPr id="77" name="箭头: 右 76">
-                <a:extLst>
-                  <a:ext uri="{FF2B5EF4-FFF2-40B4-BE49-F238E27FC236}">
-                    <a16:creationId xmlns:a16="http://schemas.microsoft.com/office/drawing/2014/main" id="{C9A94E9F-746A-02A3-5A5A-00CE41715C26}"/>
-                  </a:ext>
-                </a:extLst>
-              </p:cNvPr>
-              <p:cNvSpPr/>
-              <p:nvPr/>
-            </p:nvSpPr>
-            <p:spPr>
-              <a:xfrm>
-                <a:off x="10321084" y="3657940"/>
-                <a:ext cx="584200" cy="104400"/>
-              </a:xfrm>
-              <a:prstGeom prst="rightArrow">
-                <a:avLst/>
-              </a:prstGeom>
+                  </a:endParaRPr>
+                </a:p>
+              </p:txBody>
+            </p:sp>
+            <p:sp>
+              <p:nvSpPr>
+                <p:cNvPr id="90" name="文本框 89">
+                  <a:extLst>
+                    <a:ext uri="{FF2B5EF4-FFF2-40B4-BE49-F238E27FC236}">
+                      <a16:creationId xmlns:a16="http://schemas.microsoft.com/office/drawing/2014/main" id="{0D8E9814-FE19-1EF3-A32E-1BFE72CA0546}"/>
+                    </a:ext>
+                  </a:extLst>
+                </p:cNvPr>
+                <p:cNvSpPr txBox="1"/>
+                <p:nvPr/>
+              </p:nvSpPr>
+              <p:spPr>
+                <a:xfrm>
+                  <a:off x="10200829" y="3827398"/>
+                  <a:ext cx="824710" cy="253916"/>
+                </a:xfrm>
+                <a:prstGeom prst="rect">
+                  <a:avLst/>
+                </a:prstGeom>
+                <a:noFill/>
+              </p:spPr>
+              <p:txBody>
+                <a:bodyPr wrap="square">
+                  <a:spAutoFit/>
+                </a:bodyPr>
+                <a:lstStyle/>
+                <a:p>
+                  <a:pPr algn="ctr"/>
+                  <a:r>
+                    <a:rPr lang="zh-CN" altLang="en-US" sz="1050" dirty="0">
+                      <a:solidFill>
+                        <a:srgbClr val="FF0000"/>
+                      </a:solidFill>
+                      <a:latin typeface="仿宋" panose="02010609060101010101" pitchFamily="49" charset="-122"/>
+                      <a:ea typeface="仿宋" panose="02010609060101010101" pitchFamily="49" charset="-122"/>
+                      <a:cs typeface="Times New Roman" panose="02020603050405020304" pitchFamily="18" charset="0"/>
+                    </a:rPr>
+                    <a:t>父子管道</a:t>
+                  </a:r>
+                </a:p>
+              </p:txBody>
+            </p:sp>
+          </p:grpSp>
+        </p:grpSp>
+        <p:cxnSp>
+          <p:nvCxnSpPr>
+            <p:cNvPr id="4" name="连接符: 肘形 3">
+              <a:extLst>
+                <a:ext uri="{FF2B5EF4-FFF2-40B4-BE49-F238E27FC236}">
+                  <a16:creationId xmlns:a16="http://schemas.microsoft.com/office/drawing/2014/main" id="{3E9314D6-C9AB-F998-5FF7-20C0E664CC87}"/>
+                </a:ext>
+              </a:extLst>
+            </p:cNvPr>
+            <p:cNvCxnSpPr>
+              <a:cxnSpLocks/>
+              <a:stCxn id="45" idx="3"/>
+            </p:cNvCxnSpPr>
+            <p:nvPr/>
+          </p:nvCxnSpPr>
+          <p:spPr>
+            <a:xfrm flipV="1">
+              <a:off x="8561575" y="2469809"/>
+              <a:ext cx="544820" cy="1086923"/>
+            </a:xfrm>
+            <a:prstGeom prst="bentConnector2">
+              <a:avLst/>
+            </a:prstGeom>
+            <a:ln w="38100">
               <a:solidFill>
                 <a:srgbClr val="FF9896"/>
               </a:solidFill>
-            </p:spPr>
-            <p:style>
-              <a:lnRef idx="2">
-                <a:schemeClr val="accent1">
-                  <a:shade val="15000"/>
-                </a:schemeClr>
-              </a:lnRef>
-              <a:fillRef idx="1">
-                <a:schemeClr val="accent1"/>
-              </a:fillRef>
-              <a:effectRef idx="0">
-                <a:schemeClr val="accent1"/>
-              </a:effectRef>
-              <a:fontRef idx="minor">
-                <a:schemeClr val="lt1"/>
-              </a:fontRef>
-            </p:style>
-            <p:txBody>
-              <a:bodyPr rtlCol="0" anchor="ctr"/>
-              <a:lstStyle/>
-              <a:p>
-                <a:pPr algn="ctr"/>
-                <a:endParaRPr lang="zh-CN" altLang="en-US"/>
-              </a:p>
-            </p:txBody>
-          </p:sp>
-          <p:sp>
-            <p:nvSpPr>
-              <p:cNvPr id="78" name="文本框 77">
-                <a:extLst>
-                  <a:ext uri="{FF2B5EF4-FFF2-40B4-BE49-F238E27FC236}">
-                    <a16:creationId xmlns:a16="http://schemas.microsoft.com/office/drawing/2014/main" id="{82F73789-6B86-4025-56FB-A284FA123D05}"/>
-                  </a:ext>
-                </a:extLst>
-              </p:cNvPr>
-              <p:cNvSpPr txBox="1"/>
-              <p:nvPr/>
-            </p:nvSpPr>
-            <p:spPr>
-              <a:xfrm>
-                <a:off x="10209156" y="3434390"/>
-                <a:ext cx="824710" cy="261610"/>
-              </a:xfrm>
-              <a:prstGeom prst="rect">
-                <a:avLst/>
-              </a:prstGeom>
-              <a:noFill/>
-            </p:spPr>
-            <p:txBody>
-              <a:bodyPr wrap="square">
-                <a:spAutoFit/>
-              </a:bodyPr>
-              <a:lstStyle/>
-              <a:p>
-                <a:pPr algn="ctr"/>
-                <a:r>
-                  <a:rPr lang="zh-CN" altLang="en-US" sz="1100" dirty="0">
-                    <a:solidFill>
-                      <a:schemeClr val="tx1">
-                        <a:lumMod val="95000"/>
-                        <a:lumOff val="5000"/>
-                      </a:schemeClr>
-                    </a:solidFill>
-                    <a:latin typeface="Times New Roman" panose="02020603050405020304" pitchFamily="18" charset="0"/>
-                    <a:cs typeface="Times New Roman" panose="02020603050405020304" pitchFamily="18" charset="0"/>
-                  </a:rPr>
-                  <a:t>数据</a:t>
-                </a:r>
-              </a:p>
-            </p:txBody>
-          </p:sp>
-          <p:sp>
-            <p:nvSpPr>
-              <p:cNvPr id="79" name="箭头: 右 78">
-                <a:extLst>
-                  <a:ext uri="{FF2B5EF4-FFF2-40B4-BE49-F238E27FC236}">
-                    <a16:creationId xmlns:a16="http://schemas.microsoft.com/office/drawing/2014/main" id="{609A8948-0F05-C48E-8465-BA73B587D4E2}"/>
-                  </a:ext>
-                </a:extLst>
-              </p:cNvPr>
-              <p:cNvSpPr/>
-              <p:nvPr/>
-            </p:nvSpPr>
-            <p:spPr>
-              <a:xfrm rot="10800000">
-                <a:off x="10321084" y="4127775"/>
-                <a:ext cx="584200" cy="104400"/>
-              </a:xfrm>
-              <a:prstGeom prst="rightArrow">
-                <a:avLst/>
-              </a:prstGeom>
+              <a:tailEnd type="triangle"/>
+            </a:ln>
+          </p:spPr>
+          <p:style>
+            <a:lnRef idx="1">
+              <a:schemeClr val="accent1"/>
+            </a:lnRef>
+            <a:fillRef idx="0">
+              <a:schemeClr val="accent1"/>
+            </a:fillRef>
+            <a:effectRef idx="0">
+              <a:schemeClr val="accent1"/>
+            </a:effectRef>
+            <a:fontRef idx="minor">
+              <a:schemeClr val="tx1"/>
+            </a:fontRef>
+          </p:style>
+        </p:cxnSp>
+        <p:cxnSp>
+          <p:nvCxnSpPr>
+            <p:cNvPr id="24" name="直接箭头连接符 23">
+              <a:extLst>
+                <a:ext uri="{FF2B5EF4-FFF2-40B4-BE49-F238E27FC236}">
+                  <a16:creationId xmlns:a16="http://schemas.microsoft.com/office/drawing/2014/main" id="{A7256C0C-0045-F8FE-EBC9-5343982A40E8}"/>
+                </a:ext>
+              </a:extLst>
+            </p:cNvPr>
+            <p:cNvCxnSpPr>
+              <a:cxnSpLocks/>
+              <a:endCxn id="60" idx="0"/>
+            </p:cNvCxnSpPr>
+            <p:nvPr/>
+          </p:nvCxnSpPr>
+          <p:spPr>
+            <a:xfrm>
+              <a:off x="9944151" y="2641628"/>
+              <a:ext cx="0" cy="277396"/>
+            </a:xfrm>
+            <a:prstGeom prst="straightConnector1">
+              <a:avLst/>
+            </a:prstGeom>
+            <a:ln w="38100">
+              <a:solidFill>
+                <a:srgbClr val="FF9896"/>
+              </a:solidFill>
+              <a:tailEnd type="triangle"/>
+            </a:ln>
+          </p:spPr>
+          <p:style>
+            <a:lnRef idx="1">
+              <a:schemeClr val="accent1"/>
+            </a:lnRef>
+            <a:fillRef idx="0">
+              <a:schemeClr val="accent1"/>
+            </a:fillRef>
+            <a:effectRef idx="0">
+              <a:schemeClr val="accent1"/>
+            </a:effectRef>
+            <a:fontRef idx="minor">
+              <a:schemeClr val="tx1"/>
+            </a:fontRef>
+          </p:style>
+        </p:cxnSp>
+        <p:cxnSp>
+          <p:nvCxnSpPr>
+            <p:cNvPr id="33" name="直接箭头连接符 32">
+              <a:extLst>
+                <a:ext uri="{FF2B5EF4-FFF2-40B4-BE49-F238E27FC236}">
+                  <a16:creationId xmlns:a16="http://schemas.microsoft.com/office/drawing/2014/main" id="{27046ECD-A9DE-4DAC-FF00-48E246648F37}"/>
+                </a:ext>
+              </a:extLst>
+            </p:cNvPr>
+            <p:cNvCxnSpPr>
+              <a:cxnSpLocks/>
+              <a:stCxn id="39" idx="3"/>
+              <a:endCxn id="31" idx="1"/>
+            </p:cNvCxnSpPr>
+            <p:nvPr/>
+          </p:nvCxnSpPr>
+          <p:spPr>
+            <a:xfrm flipV="1">
+              <a:off x="8561576" y="2420507"/>
+              <a:ext cx="1097359" cy="954"/>
+            </a:xfrm>
+            <a:prstGeom prst="straightConnector1">
+              <a:avLst/>
+            </a:prstGeom>
+            <a:ln w="38100">
+              <a:solidFill>
+                <a:srgbClr val="FF9896"/>
+              </a:solidFill>
+              <a:tailEnd type="triangle"/>
+            </a:ln>
+          </p:spPr>
+          <p:style>
+            <a:lnRef idx="1">
+              <a:schemeClr val="accent1"/>
+            </a:lnRef>
+            <a:fillRef idx="0">
+              <a:schemeClr val="accent1"/>
+            </a:fillRef>
+            <a:effectRef idx="0">
+              <a:schemeClr val="accent1"/>
+            </a:effectRef>
+            <a:fontRef idx="minor">
+              <a:schemeClr val="tx1"/>
+            </a:fontRef>
+          </p:style>
+        </p:cxnSp>
+        <p:cxnSp>
+          <p:nvCxnSpPr>
+            <p:cNvPr id="37" name="直接箭头连接符 36">
+              <a:extLst>
+                <a:ext uri="{FF2B5EF4-FFF2-40B4-BE49-F238E27FC236}">
+                  <a16:creationId xmlns:a16="http://schemas.microsoft.com/office/drawing/2014/main" id="{37FA3FC9-1C0F-2FCE-F4F8-A17F45239E95}"/>
+                </a:ext>
+              </a:extLst>
+            </p:cNvPr>
+            <p:cNvCxnSpPr>
+              <a:cxnSpLocks/>
+              <a:stCxn id="82" idx="1"/>
+            </p:cNvCxnSpPr>
+            <p:nvPr/>
+          </p:nvCxnSpPr>
+          <p:spPr>
+            <a:xfrm flipH="1">
+              <a:off x="3946401" y="4448923"/>
+              <a:ext cx="2264537" cy="0"/>
+            </a:xfrm>
+            <a:prstGeom prst="straightConnector1">
+              <a:avLst/>
+            </a:prstGeom>
+            <a:ln w="76200">
               <a:solidFill>
                 <a:srgbClr val="427AB2"/>
               </a:solidFill>
-            </p:spPr>
-            <p:style>
-              <a:lnRef idx="2">
-                <a:schemeClr val="accent1">
-                  <a:shade val="15000"/>
-                </a:schemeClr>
-              </a:lnRef>
-              <a:fillRef idx="1">
-                <a:schemeClr val="accent1"/>
-              </a:fillRef>
-              <a:effectRef idx="0">
-                <a:schemeClr val="accent1"/>
-              </a:effectRef>
-              <a:fontRef idx="minor">
-                <a:schemeClr val="lt1"/>
-              </a:fontRef>
-            </p:style>
-            <p:txBody>
-              <a:bodyPr rtlCol="0" anchor="ctr"/>
-              <a:lstStyle/>
-              <a:p>
-                <a:pPr algn="ctr"/>
-                <a:endParaRPr lang="zh-CN" altLang="en-US"/>
-              </a:p>
-            </p:txBody>
-          </p:sp>
-          <p:sp>
-            <p:nvSpPr>
-              <p:cNvPr id="80" name="文本框 79">
-                <a:extLst>
-                  <a:ext uri="{FF2B5EF4-FFF2-40B4-BE49-F238E27FC236}">
-                    <a16:creationId xmlns:a16="http://schemas.microsoft.com/office/drawing/2014/main" id="{A820A221-F386-19AA-6337-6402CF04846E}"/>
-                  </a:ext>
-                </a:extLst>
-              </p:cNvPr>
-              <p:cNvSpPr txBox="1"/>
-              <p:nvPr/>
-            </p:nvSpPr>
-            <p:spPr>
-              <a:xfrm>
-                <a:off x="10200829" y="4212713"/>
-                <a:ext cx="824710" cy="261610"/>
-              </a:xfrm>
-              <a:prstGeom prst="rect">
-                <a:avLst/>
-              </a:prstGeom>
-              <a:noFill/>
-            </p:spPr>
-            <p:txBody>
-              <a:bodyPr wrap="square">
-                <a:spAutoFit/>
-              </a:bodyPr>
-              <a:lstStyle/>
-              <a:p>
-                <a:pPr algn="ctr"/>
-                <a:r>
-                  <a:rPr lang="zh-CN" altLang="en-US" sz="1100" dirty="0">
-                    <a:solidFill>
-                      <a:schemeClr val="tx1">
-                        <a:lumMod val="95000"/>
-                        <a:lumOff val="5000"/>
-                      </a:schemeClr>
-                    </a:solidFill>
-                    <a:latin typeface="Times New Roman" panose="02020603050405020304" pitchFamily="18" charset="0"/>
-                    <a:cs typeface="Times New Roman" panose="02020603050405020304" pitchFamily="18" charset="0"/>
-                  </a:rPr>
-                  <a:t>结果</a:t>
-                </a:r>
-              </a:p>
-            </p:txBody>
-          </p:sp>
-          <p:sp>
-            <p:nvSpPr>
-              <p:cNvPr id="81" name="箭头: 右 80">
-                <a:extLst>
-                  <a:ext uri="{FF2B5EF4-FFF2-40B4-BE49-F238E27FC236}">
-                    <a16:creationId xmlns:a16="http://schemas.microsoft.com/office/drawing/2014/main" id="{8B1B2B61-0102-A612-E8C6-B9151017DBE2}"/>
-                  </a:ext>
-                </a:extLst>
-              </p:cNvPr>
-              <p:cNvSpPr/>
-              <p:nvPr/>
-            </p:nvSpPr>
-            <p:spPr>
-              <a:xfrm rot="5400000">
-                <a:off x="9559996" y="2787801"/>
-                <a:ext cx="344032" cy="104400"/>
-              </a:xfrm>
-              <a:prstGeom prst="rightArrow">
-                <a:avLst/>
-              </a:prstGeom>
+              <a:tailEnd type="triangle"/>
+            </a:ln>
+          </p:spPr>
+          <p:style>
+            <a:lnRef idx="1">
+              <a:schemeClr val="accent1"/>
+            </a:lnRef>
+            <a:fillRef idx="0">
+              <a:schemeClr val="accent1"/>
+            </a:fillRef>
+            <a:effectRef idx="0">
+              <a:schemeClr val="accent1"/>
+            </a:effectRef>
+            <a:fontRef idx="minor">
+              <a:schemeClr val="tx1"/>
+            </a:fontRef>
+          </p:style>
+        </p:cxnSp>
+        <p:cxnSp>
+          <p:nvCxnSpPr>
+            <p:cNvPr id="44" name="连接符: 肘形 43">
+              <a:extLst>
+                <a:ext uri="{FF2B5EF4-FFF2-40B4-BE49-F238E27FC236}">
+                  <a16:creationId xmlns:a16="http://schemas.microsoft.com/office/drawing/2014/main" id="{771DC15B-9F6C-A519-FC09-638A01F474EF}"/>
+                </a:ext>
+              </a:extLst>
+            </p:cNvPr>
+            <p:cNvCxnSpPr>
+              <a:cxnSpLocks/>
+              <a:stCxn id="53" idx="2"/>
+            </p:cNvCxnSpPr>
+            <p:nvPr/>
+          </p:nvCxnSpPr>
+          <p:spPr>
+            <a:xfrm rot="5400000">
+              <a:off x="6706134" y="1917885"/>
+              <a:ext cx="478284" cy="5997750"/>
+            </a:xfrm>
+            <a:prstGeom prst="bentConnector2">
+              <a:avLst/>
+            </a:prstGeom>
+            <a:ln w="76200">
+              <a:solidFill>
+                <a:srgbClr val="427AB2"/>
+              </a:solidFill>
+              <a:tailEnd type="triangle"/>
+            </a:ln>
+          </p:spPr>
+          <p:style>
+            <a:lnRef idx="1">
+              <a:schemeClr val="accent1"/>
+            </a:lnRef>
+            <a:fillRef idx="0">
+              <a:schemeClr val="accent1"/>
+            </a:fillRef>
+            <a:effectRef idx="0">
+              <a:schemeClr val="accent1"/>
+            </a:effectRef>
+            <a:fontRef idx="minor">
+              <a:schemeClr val="tx1"/>
+            </a:fontRef>
+          </p:style>
+        </p:cxnSp>
+        <p:cxnSp>
+          <p:nvCxnSpPr>
+            <p:cNvPr id="61" name="直接箭头连接符 60">
+              <a:extLst>
+                <a:ext uri="{FF2B5EF4-FFF2-40B4-BE49-F238E27FC236}">
+                  <a16:creationId xmlns:a16="http://schemas.microsoft.com/office/drawing/2014/main" id="{875294C2-E0F8-F954-DFB0-9DADC4CEFCEF}"/>
+                </a:ext>
+              </a:extLst>
+            </p:cNvPr>
+            <p:cNvCxnSpPr>
+              <a:cxnSpLocks/>
+              <a:endCxn id="39" idx="1"/>
+            </p:cNvCxnSpPr>
+            <p:nvPr/>
+          </p:nvCxnSpPr>
+          <p:spPr>
+            <a:xfrm>
+              <a:off x="3923575" y="2421461"/>
+              <a:ext cx="2287365" cy="0"/>
+            </a:xfrm>
+            <a:prstGeom prst="straightConnector1">
+              <a:avLst/>
+            </a:prstGeom>
+            <a:ln w="76200">
               <a:solidFill>
                 <a:srgbClr val="FF9896"/>
               </a:solidFill>
-            </p:spPr>
-            <p:style>
-              <a:lnRef idx="2">
-                <a:schemeClr val="accent1">
-                  <a:shade val="15000"/>
-                </a:schemeClr>
-              </a:lnRef>
-              <a:fillRef idx="1">
-                <a:schemeClr val="accent1"/>
-              </a:fillRef>
-              <a:effectRef idx="0">
-                <a:schemeClr val="accent1"/>
-              </a:effectRef>
-              <a:fontRef idx="minor">
-                <a:schemeClr val="lt1"/>
-              </a:fontRef>
-            </p:style>
-            <p:txBody>
-              <a:bodyPr rtlCol="0" anchor="ctr"/>
-              <a:lstStyle/>
-              <a:p>
-                <a:pPr algn="ctr"/>
-                <a:endParaRPr lang="zh-CN" altLang="en-US"/>
-              </a:p>
-            </p:txBody>
-          </p:sp>
-          <p:sp>
-            <p:nvSpPr>
-              <p:cNvPr id="82" name="流程图: 过程 81">
-                <a:extLst>
-                  <a:ext uri="{FF2B5EF4-FFF2-40B4-BE49-F238E27FC236}">
-                    <a16:creationId xmlns:a16="http://schemas.microsoft.com/office/drawing/2014/main" id="{C8523D12-945F-E647-D23A-60630ECF351F}"/>
-                  </a:ext>
-                </a:extLst>
-              </p:cNvPr>
-              <p:cNvSpPr/>
-              <p:nvPr/>
-            </p:nvSpPr>
-            <p:spPr>
-              <a:xfrm>
-                <a:off x="5999271" y="4242050"/>
-                <a:ext cx="2350636" cy="464546"/>
-              </a:xfrm>
-              <a:prstGeom prst="flowChartProcess">
-                <a:avLst/>
-              </a:prstGeom>
-              <a:solidFill>
-                <a:srgbClr val="FFF8E1"/>
-              </a:solidFill>
-            </p:spPr>
-            <p:style>
-              <a:lnRef idx="2">
-                <a:schemeClr val="accent1">
-                  <a:shade val="15000"/>
-                </a:schemeClr>
-              </a:lnRef>
-              <a:fillRef idx="1">
-                <a:schemeClr val="accent1"/>
-              </a:fillRef>
-              <a:effectRef idx="0">
-                <a:schemeClr val="accent1"/>
-              </a:effectRef>
-              <a:fontRef idx="minor">
-                <a:schemeClr val="lt1"/>
-              </a:fontRef>
-            </p:style>
-            <p:txBody>
-              <a:bodyPr rtlCol="0" anchor="ctr"/>
-              <a:lstStyle/>
-              <a:p>
-                <a:pPr algn="ctr"/>
-                <a:r>
-                  <a:rPr lang="zh-CN" altLang="en-US" dirty="0">
-                    <a:solidFill>
-                      <a:schemeClr val="tx1">
-                        <a:lumMod val="95000"/>
-                        <a:lumOff val="5000"/>
-                      </a:schemeClr>
-                    </a:solidFill>
-                  </a:rPr>
-                  <a:t>构建响应，返回</a:t>
-                </a:r>
-              </a:p>
-            </p:txBody>
-          </p:sp>
-          <p:sp>
-            <p:nvSpPr>
-              <p:cNvPr id="83" name="箭头: 右 82">
-                <a:extLst>
-                  <a:ext uri="{FF2B5EF4-FFF2-40B4-BE49-F238E27FC236}">
-                    <a16:creationId xmlns:a16="http://schemas.microsoft.com/office/drawing/2014/main" id="{A2CF33AF-5F02-DF00-C54C-953A64C5C4C2}"/>
-                  </a:ext>
-                </a:extLst>
-              </p:cNvPr>
-              <p:cNvSpPr/>
-              <p:nvPr/>
-            </p:nvSpPr>
-            <p:spPr>
-              <a:xfrm rot="5400000">
-                <a:off x="7001353" y="3954538"/>
-                <a:ext cx="348337" cy="206942"/>
-              </a:xfrm>
-              <a:prstGeom prst="rightArrow">
-                <a:avLst/>
-              </a:prstGeom>
+              <a:tailEnd type="triangle"/>
+            </a:ln>
+          </p:spPr>
+          <p:style>
+            <a:lnRef idx="1">
+              <a:schemeClr val="accent1"/>
+            </a:lnRef>
+            <a:fillRef idx="0">
+              <a:schemeClr val="accent1"/>
+            </a:fillRef>
+            <a:effectRef idx="0">
+              <a:schemeClr val="accent1"/>
+            </a:effectRef>
+            <a:fontRef idx="minor">
+              <a:schemeClr val="tx1"/>
+            </a:fontRef>
+          </p:style>
+        </p:cxnSp>
+        <p:cxnSp>
+          <p:nvCxnSpPr>
+            <p:cNvPr id="68" name="直接箭头连接符 67">
+              <a:extLst>
+                <a:ext uri="{FF2B5EF4-FFF2-40B4-BE49-F238E27FC236}">
+                  <a16:creationId xmlns:a16="http://schemas.microsoft.com/office/drawing/2014/main" id="{E2E175CD-27C6-E736-86C3-996C151C179C}"/>
+                </a:ext>
+              </a:extLst>
+            </p:cNvPr>
+            <p:cNvCxnSpPr>
+              <a:cxnSpLocks/>
+              <a:stCxn id="39" idx="2"/>
+              <a:endCxn id="45" idx="0"/>
+            </p:cNvCxnSpPr>
+            <p:nvPr/>
+          </p:nvCxnSpPr>
+          <p:spPr>
+            <a:xfrm flipH="1">
+              <a:off x="7386257" y="2714057"/>
+              <a:ext cx="1" cy="550079"/>
+            </a:xfrm>
+            <a:prstGeom prst="straightConnector1">
+              <a:avLst/>
+            </a:prstGeom>
+            <a:ln w="57150">
               <a:solidFill>
                 <a:srgbClr val="FF9896"/>
               </a:solidFill>
-            </p:spPr>
-            <p:style>
-              <a:lnRef idx="2">
-                <a:schemeClr val="accent1">
-                  <a:shade val="15000"/>
-                </a:schemeClr>
-              </a:lnRef>
-              <a:fillRef idx="1">
-                <a:schemeClr val="accent1"/>
-              </a:fillRef>
-              <a:effectRef idx="0">
-                <a:schemeClr val="accent1"/>
-              </a:effectRef>
-              <a:fontRef idx="minor">
-                <a:schemeClr val="lt1"/>
-              </a:fontRef>
-            </p:style>
-            <p:txBody>
-              <a:bodyPr rtlCol="0" anchor="ctr"/>
-              <a:lstStyle/>
-              <a:p>
-                <a:pPr algn="ctr"/>
-                <a:endParaRPr lang="zh-CN" altLang="en-US"/>
-              </a:p>
-            </p:txBody>
-          </p:sp>
-          <p:sp>
-            <p:nvSpPr>
-              <p:cNvPr id="84" name="文本框 83">
-                <a:extLst>
-                  <a:ext uri="{FF2B5EF4-FFF2-40B4-BE49-F238E27FC236}">
-                    <a16:creationId xmlns:a16="http://schemas.microsoft.com/office/drawing/2014/main" id="{FB9FD06F-65AA-28CA-EABF-7637D230C3F5}"/>
-                  </a:ext>
-                </a:extLst>
-              </p:cNvPr>
-              <p:cNvSpPr txBox="1"/>
-              <p:nvPr/>
-            </p:nvSpPr>
-            <p:spPr>
-              <a:xfrm>
-                <a:off x="6921626" y="3857608"/>
-                <a:ext cx="1344588" cy="307777"/>
-              </a:xfrm>
-              <a:prstGeom prst="rect">
-                <a:avLst/>
-              </a:prstGeom>
-              <a:noFill/>
-            </p:spPr>
-            <p:txBody>
-              <a:bodyPr wrap="square">
-                <a:spAutoFit/>
-              </a:bodyPr>
-              <a:lstStyle/>
-              <a:p>
-                <a:pPr algn="ctr"/>
-                <a:r>
-                  <a:rPr lang="en-US" altLang="zh-CN" sz="1400" dirty="0">
-                    <a:solidFill>
-                      <a:schemeClr val="tx1">
-                        <a:lumMod val="95000"/>
-                        <a:lumOff val="5000"/>
-                      </a:schemeClr>
-                    </a:solidFill>
-                    <a:latin typeface="Times New Roman" panose="02020603050405020304" pitchFamily="18" charset="0"/>
-                    <a:cs typeface="Times New Roman" panose="02020603050405020304" pitchFamily="18" charset="0"/>
-                  </a:rPr>
-                  <a:t>NO</a:t>
-                </a:r>
-                <a:endParaRPr lang="zh-CN" altLang="en-US" sz="1400" dirty="0">
-                  <a:solidFill>
-                    <a:schemeClr val="tx1">
-                      <a:lumMod val="95000"/>
-                      <a:lumOff val="5000"/>
-                    </a:schemeClr>
-                  </a:solidFill>
-                  <a:latin typeface="Times New Roman" panose="02020603050405020304" pitchFamily="18" charset="0"/>
-                  <a:cs typeface="Times New Roman" panose="02020603050405020304" pitchFamily="18" charset="0"/>
-                </a:endParaRPr>
-              </a:p>
-            </p:txBody>
-          </p:sp>
-          <p:sp>
-            <p:nvSpPr>
-              <p:cNvPr id="85" name="文本框 84">
-                <a:extLst>
-                  <a:ext uri="{FF2B5EF4-FFF2-40B4-BE49-F238E27FC236}">
-                    <a16:creationId xmlns:a16="http://schemas.microsoft.com/office/drawing/2014/main" id="{0B8F0B2A-E3AA-FAD5-0992-37B9A790A41E}"/>
-                  </a:ext>
-                </a:extLst>
-              </p:cNvPr>
-              <p:cNvSpPr txBox="1"/>
-              <p:nvPr/>
-            </p:nvSpPr>
-            <p:spPr>
-              <a:xfrm>
-                <a:off x="7886309" y="2824298"/>
-                <a:ext cx="1344588" cy="307777"/>
-              </a:xfrm>
-              <a:prstGeom prst="rect">
-                <a:avLst/>
-              </a:prstGeom>
-              <a:noFill/>
-            </p:spPr>
-            <p:txBody>
-              <a:bodyPr wrap="square">
-                <a:spAutoFit/>
-              </a:bodyPr>
-              <a:lstStyle/>
-              <a:p>
-                <a:pPr algn="ctr"/>
-                <a:r>
-                  <a:rPr lang="en-US" altLang="zh-CN" sz="1400" dirty="0">
-                    <a:solidFill>
-                      <a:schemeClr val="tx1">
-                        <a:lumMod val="95000"/>
-                        <a:lumOff val="5000"/>
-                      </a:schemeClr>
-                    </a:solidFill>
-                    <a:latin typeface="Times New Roman" panose="02020603050405020304" pitchFamily="18" charset="0"/>
-                    <a:cs typeface="Times New Roman" panose="02020603050405020304" pitchFamily="18" charset="0"/>
-                  </a:rPr>
-                  <a:t>YES</a:t>
-                </a:r>
-                <a:endParaRPr lang="zh-CN" altLang="en-US" sz="1400" dirty="0">
-                  <a:solidFill>
-                    <a:schemeClr val="tx1">
-                      <a:lumMod val="95000"/>
-                      <a:lumOff val="5000"/>
-                    </a:schemeClr>
-                  </a:solidFill>
-                  <a:latin typeface="Times New Roman" panose="02020603050405020304" pitchFamily="18" charset="0"/>
-                  <a:cs typeface="Times New Roman" panose="02020603050405020304" pitchFamily="18" charset="0"/>
-                </a:endParaRPr>
-              </a:p>
-            </p:txBody>
-          </p:sp>
-          <p:sp>
-            <p:nvSpPr>
-              <p:cNvPr id="86" name="箭头: 直角上 85">
-                <a:extLst>
-                  <a:ext uri="{FF2B5EF4-FFF2-40B4-BE49-F238E27FC236}">
-                    <a16:creationId xmlns:a16="http://schemas.microsoft.com/office/drawing/2014/main" id="{AB4862C7-43E5-6E9A-C16B-34074AEF3B31}"/>
-                  </a:ext>
-                </a:extLst>
-              </p:cNvPr>
-              <p:cNvSpPr/>
-              <p:nvPr/>
-            </p:nvSpPr>
-            <p:spPr>
-              <a:xfrm rot="16200000" flipH="1">
-                <a:off x="6449863" y="1964054"/>
-                <a:ext cx="651511" cy="6127424"/>
-              </a:xfrm>
-              <a:prstGeom prst="bentUpArrow">
-                <a:avLst>
-                  <a:gd name="adj1" fmla="val 25000"/>
-                  <a:gd name="adj2" fmla="val 22403"/>
-                  <a:gd name="adj3" fmla="val 25000"/>
-                </a:avLst>
-              </a:prstGeom>
+              <a:tailEnd type="triangle"/>
+            </a:ln>
+          </p:spPr>
+          <p:style>
+            <a:lnRef idx="1">
+              <a:schemeClr val="accent1"/>
+            </a:lnRef>
+            <a:fillRef idx="0">
+              <a:schemeClr val="accent1"/>
+            </a:fillRef>
+            <a:effectRef idx="0">
+              <a:schemeClr val="accent1"/>
+            </a:effectRef>
+            <a:fontRef idx="minor">
+              <a:schemeClr val="tx1"/>
+            </a:fontRef>
+          </p:style>
+        </p:cxnSp>
+        <p:cxnSp>
+          <p:nvCxnSpPr>
+            <p:cNvPr id="72" name="直接箭头连接符 71">
+              <a:extLst>
+                <a:ext uri="{FF2B5EF4-FFF2-40B4-BE49-F238E27FC236}">
+                  <a16:creationId xmlns:a16="http://schemas.microsoft.com/office/drawing/2014/main" id="{60E14D25-9B4E-018A-8770-10E3F762E09F}"/>
+                </a:ext>
+              </a:extLst>
+            </p:cNvPr>
+            <p:cNvCxnSpPr>
+              <a:cxnSpLocks/>
+              <a:stCxn id="45" idx="2"/>
+              <a:endCxn id="82" idx="0"/>
+            </p:cNvCxnSpPr>
+            <p:nvPr/>
+          </p:nvCxnSpPr>
+          <p:spPr>
+            <a:xfrm flipH="1">
+              <a:off x="7386256" y="3849328"/>
+              <a:ext cx="1" cy="367322"/>
+            </a:xfrm>
+            <a:prstGeom prst="straightConnector1">
+              <a:avLst/>
+            </a:prstGeom>
+            <a:ln w="57150">
               <a:solidFill>
-                <a:srgbClr val="427AB2"/>
+                <a:srgbClr val="FF9896"/>
               </a:solidFill>
-            </p:spPr>
-            <p:style>
-              <a:lnRef idx="2">
-                <a:schemeClr val="accent1">
-                  <a:shade val="15000"/>
-                </a:schemeClr>
-              </a:lnRef>
-              <a:fillRef idx="1">
-                <a:schemeClr val="accent1"/>
-              </a:fillRef>
-              <a:effectRef idx="0">
-                <a:schemeClr val="accent1"/>
-              </a:effectRef>
-              <a:fontRef idx="minor">
-                <a:schemeClr val="lt1"/>
-              </a:fontRef>
-            </p:style>
-            <p:txBody>
-              <a:bodyPr rtlCol="0" anchor="ctr"/>
-              <a:lstStyle/>
-              <a:p>
-                <a:pPr algn="ctr"/>
-                <a:endParaRPr lang="zh-CN" altLang="en-US"/>
-              </a:p>
-            </p:txBody>
-          </p:sp>
-          <p:sp>
-            <p:nvSpPr>
-              <p:cNvPr id="87" name="箭头: 右 86">
-                <a:extLst>
-                  <a:ext uri="{FF2B5EF4-FFF2-40B4-BE49-F238E27FC236}">
-                    <a16:creationId xmlns:a16="http://schemas.microsoft.com/office/drawing/2014/main" id="{4294C235-EE4D-9D0C-69D4-8D9A9B467D9A}"/>
-                  </a:ext>
-                </a:extLst>
-              </p:cNvPr>
-              <p:cNvSpPr/>
-              <p:nvPr/>
-            </p:nvSpPr>
-            <p:spPr>
-              <a:xfrm rot="10800000">
-                <a:off x="3711906" y="4294985"/>
-                <a:ext cx="2287365" cy="358676"/>
-              </a:xfrm>
-              <a:prstGeom prst="rightArrow">
-                <a:avLst/>
-              </a:prstGeom>
-              <a:solidFill>
-                <a:srgbClr val="427AB2"/>
-              </a:solidFill>
-            </p:spPr>
-            <p:style>
-              <a:lnRef idx="2">
-                <a:schemeClr val="accent1">
-                  <a:shade val="15000"/>
-                </a:schemeClr>
-              </a:lnRef>
-              <a:fillRef idx="1">
-                <a:schemeClr val="accent1"/>
-              </a:fillRef>
-              <a:effectRef idx="0">
-                <a:schemeClr val="accent1"/>
-              </a:effectRef>
-              <a:fontRef idx="minor">
-                <a:schemeClr val="lt1"/>
-              </a:fontRef>
-            </p:style>
-            <p:txBody>
-              <a:bodyPr rtlCol="0" anchor="ctr"/>
-              <a:lstStyle/>
-              <a:p>
-                <a:pPr algn="ctr"/>
-                <a:endParaRPr lang="zh-CN" altLang="en-US"/>
-              </a:p>
-            </p:txBody>
-          </p:sp>
-          <p:sp>
-            <p:nvSpPr>
-              <p:cNvPr id="88" name="文本框 87">
-                <a:extLst>
-                  <a:ext uri="{FF2B5EF4-FFF2-40B4-BE49-F238E27FC236}">
-                    <a16:creationId xmlns:a16="http://schemas.microsoft.com/office/drawing/2014/main" id="{414D168F-43C3-A4D0-0B8B-C529A3F24D21}"/>
-                  </a:ext>
-                </a:extLst>
-              </p:cNvPr>
-              <p:cNvSpPr txBox="1"/>
-              <p:nvPr/>
-            </p:nvSpPr>
-            <p:spPr>
-              <a:xfrm>
-                <a:off x="3832163" y="4065005"/>
-                <a:ext cx="1564504" cy="307777"/>
-              </a:xfrm>
-              <a:prstGeom prst="rect">
-                <a:avLst/>
-              </a:prstGeom>
-              <a:noFill/>
-            </p:spPr>
-            <p:txBody>
-              <a:bodyPr wrap="square">
-                <a:spAutoFit/>
-              </a:bodyPr>
-              <a:lstStyle/>
-              <a:p>
-                <a:pPr algn="ctr"/>
-                <a:r>
-                  <a:rPr lang="en-US" altLang="zh-CN" sz="1400" dirty="0">
-                    <a:solidFill>
-                      <a:schemeClr val="tx1">
-                        <a:lumMod val="95000"/>
-                        <a:lumOff val="5000"/>
-                      </a:schemeClr>
-                    </a:solidFill>
-                    <a:latin typeface="Times New Roman" panose="02020603050405020304" pitchFamily="18" charset="0"/>
-                    <a:cs typeface="Times New Roman" panose="02020603050405020304" pitchFamily="18" charset="0"/>
-                  </a:rPr>
-                  <a:t>HTTP Response</a:t>
-                </a:r>
-                <a:endParaRPr lang="zh-CN" altLang="en-US" sz="1400" dirty="0">
-                  <a:solidFill>
-                    <a:schemeClr val="tx1">
-                      <a:lumMod val="95000"/>
-                      <a:lumOff val="5000"/>
-                    </a:schemeClr>
-                  </a:solidFill>
-                  <a:latin typeface="Times New Roman" panose="02020603050405020304" pitchFamily="18" charset="0"/>
-                  <a:cs typeface="Times New Roman" panose="02020603050405020304" pitchFamily="18" charset="0"/>
-                </a:endParaRPr>
-              </a:p>
-            </p:txBody>
-          </p:sp>
-          <p:sp>
-            <p:nvSpPr>
-              <p:cNvPr id="89" name="文本框 88">
-                <a:extLst>
-                  <a:ext uri="{FF2B5EF4-FFF2-40B4-BE49-F238E27FC236}">
-                    <a16:creationId xmlns:a16="http://schemas.microsoft.com/office/drawing/2014/main" id="{F04E9251-F88B-5A0E-DD54-CA69D3E51A2E}"/>
-                  </a:ext>
-                </a:extLst>
-              </p:cNvPr>
-              <p:cNvSpPr txBox="1"/>
-              <p:nvPr/>
-            </p:nvSpPr>
-            <p:spPr>
-              <a:xfrm>
-                <a:off x="3616299" y="4766142"/>
-                <a:ext cx="1996232" cy="307777"/>
-              </a:xfrm>
-              <a:prstGeom prst="rect">
-                <a:avLst/>
-              </a:prstGeom>
-              <a:noFill/>
-            </p:spPr>
-            <p:txBody>
-              <a:bodyPr wrap="square">
-                <a:spAutoFit/>
-              </a:bodyPr>
-              <a:lstStyle/>
-              <a:p>
-                <a:pPr algn="ctr"/>
-                <a:r>
-                  <a:rPr lang="en-US" altLang="zh-CN" sz="1400" dirty="0">
-                    <a:solidFill>
-                      <a:srgbClr val="FF0000"/>
-                    </a:solidFill>
-                    <a:latin typeface="Times New Roman" panose="02020603050405020304" pitchFamily="18" charset="0"/>
-                    <a:cs typeface="Times New Roman" panose="02020603050405020304" pitchFamily="18" charset="0"/>
-                  </a:rPr>
-                  <a:t>CGI</a:t>
-                </a:r>
-                <a:r>
-                  <a:rPr lang="en-US" altLang="zh-CN" sz="1400" dirty="0">
-                    <a:solidFill>
-                      <a:schemeClr val="tx1">
-                        <a:lumMod val="95000"/>
-                        <a:lumOff val="5000"/>
-                      </a:schemeClr>
-                    </a:solidFill>
-                    <a:latin typeface="Times New Roman" panose="02020603050405020304" pitchFamily="18" charset="0"/>
-                    <a:cs typeface="Times New Roman" panose="02020603050405020304" pitchFamily="18" charset="0"/>
-                  </a:rPr>
-                  <a:t> HTTP Response</a:t>
-                </a:r>
-                <a:endParaRPr lang="zh-CN" altLang="en-US" sz="1400" dirty="0">
-                  <a:solidFill>
-                    <a:schemeClr val="tx1">
-                      <a:lumMod val="95000"/>
-                      <a:lumOff val="5000"/>
-                    </a:schemeClr>
-                  </a:solidFill>
-                  <a:latin typeface="Times New Roman" panose="02020603050405020304" pitchFamily="18" charset="0"/>
-                  <a:cs typeface="Times New Roman" panose="02020603050405020304" pitchFamily="18" charset="0"/>
-                </a:endParaRPr>
-              </a:p>
-            </p:txBody>
-          </p:sp>
-          <p:sp>
-            <p:nvSpPr>
-              <p:cNvPr id="90" name="文本框 89">
-                <a:extLst>
-                  <a:ext uri="{FF2B5EF4-FFF2-40B4-BE49-F238E27FC236}">
-                    <a16:creationId xmlns:a16="http://schemas.microsoft.com/office/drawing/2014/main" id="{0D8E9814-FE19-1EF3-A32E-1BFE72CA0546}"/>
-                  </a:ext>
-                </a:extLst>
-              </p:cNvPr>
-              <p:cNvSpPr txBox="1"/>
-              <p:nvPr/>
-            </p:nvSpPr>
-            <p:spPr>
-              <a:xfrm>
-                <a:off x="10187827" y="3859515"/>
-                <a:ext cx="824710" cy="200055"/>
-              </a:xfrm>
-              <a:prstGeom prst="rect">
-                <a:avLst/>
-              </a:prstGeom>
-              <a:noFill/>
-            </p:spPr>
-            <p:txBody>
-              <a:bodyPr wrap="square">
-                <a:spAutoFit/>
-              </a:bodyPr>
-              <a:lstStyle/>
-              <a:p>
-                <a:pPr algn="ctr"/>
-                <a:r>
-                  <a:rPr lang="zh-CN" altLang="en-US" sz="700" dirty="0">
-                    <a:solidFill>
-                      <a:srgbClr val="FF0000"/>
-                    </a:solidFill>
-                    <a:latin typeface="Times New Roman" panose="02020603050405020304" pitchFamily="18" charset="0"/>
-                    <a:cs typeface="Times New Roman" panose="02020603050405020304" pitchFamily="18" charset="0"/>
-                  </a:rPr>
-                  <a:t>父子管道</a:t>
-                </a:r>
-              </a:p>
-            </p:txBody>
-          </p:sp>
-        </p:grpSp>
+              <a:tailEnd type="triangle"/>
+            </a:ln>
+          </p:spPr>
+          <p:style>
+            <a:lnRef idx="1">
+              <a:schemeClr val="accent1"/>
+            </a:lnRef>
+            <a:fillRef idx="0">
+              <a:schemeClr val="accent1"/>
+            </a:fillRef>
+            <a:effectRef idx="0">
+              <a:schemeClr val="accent1"/>
+            </a:effectRef>
+            <a:fontRef idx="minor">
+              <a:schemeClr val="tx1"/>
+            </a:fontRef>
+          </p:style>
+        </p:cxnSp>
       </p:grpSp>
     </p:spTree>
     <p:extLst>
